--- a/public/templates/frente-verso-4a.pptx
+++ b/public/templates/frente-verso-4a.pptx
@@ -128,7 +128,8 @@
 <file path=ppt/revisionInfo.xml><?xml version="1.0" encoding="utf-8"?>
 <p1510:revInfo xmlns:a="http://schemas.openxmlformats.org/drawingml/2006/main" xmlns:r="http://schemas.openxmlformats.org/officeDocument/2006/relationships" xmlns:p1510="http://schemas.microsoft.com/office/powerpoint/2015/10/main">
   <p1510:revLst>
-    <p1510:client id="{0F63252F-41CB-4317-897B-401EFE9A9578}" v="6" dt="2024-07-11T15:21:14.838"/>
+    <p1510:client id="{016B5DBE-394E-47B5-B1A7-CF6FA668D46D}" v="34" dt="2025-01-03T23:50:55.269"/>
+    <p1510:client id="{8AF37805-05DA-4F47-AB38-4804EDD9686E}" v="25" dt="2025-01-05T20:20:23.833"/>
   </p1510:revLst>
 </p1510:revInfo>
 </file>
@@ -278,7 +279,7 @@
           <a:p>
             <a:fld id="{62DE8017-325E-4800-BDDD-E3855642CAE0}" type="datetimeFigureOut">
               <a:rPr lang="pt-BR" smtClean="0"/>
-              <a:t>17/12/2024</a:t>
+              <a:t>29/01/2025</a:t>
             </a:fld>
             <a:endParaRPr lang="pt-BR"/>
           </a:p>
@@ -488,7 +489,7 @@
           <a:p>
             <a:fld id="{62DE8017-325E-4800-BDDD-E3855642CAE0}" type="datetimeFigureOut">
               <a:rPr lang="pt-BR" smtClean="0"/>
-              <a:t>17/12/2024</a:t>
+              <a:t>29/01/2025</a:t>
             </a:fld>
             <a:endParaRPr lang="pt-BR"/>
           </a:p>
@@ -698,7 +699,7 @@
           <a:p>
             <a:fld id="{62DE8017-325E-4800-BDDD-E3855642CAE0}" type="datetimeFigureOut">
               <a:rPr lang="pt-BR" smtClean="0"/>
-              <a:t>17/12/2024</a:t>
+              <a:t>29/01/2025</a:t>
             </a:fld>
             <a:endParaRPr lang="pt-BR"/>
           </a:p>
@@ -1897,7 +1898,7 @@
           <a:p>
             <a:fld id="{62DE8017-325E-4800-BDDD-E3855642CAE0}" type="datetimeFigureOut">
               <a:rPr lang="pt-BR" smtClean="0"/>
-              <a:t>17/12/2024</a:t>
+              <a:t>29/01/2025</a:t>
             </a:fld>
             <a:endParaRPr lang="pt-BR"/>
           </a:p>
@@ -2171,7 +2172,7 @@
           <a:p>
             <a:fld id="{62DE8017-325E-4800-BDDD-E3855642CAE0}" type="datetimeFigureOut">
               <a:rPr lang="pt-BR" smtClean="0"/>
-              <a:t>17/12/2024</a:t>
+              <a:t>29/01/2025</a:t>
             </a:fld>
             <a:endParaRPr lang="pt-BR"/>
           </a:p>
@@ -2441,7 +2442,7 @@
           <a:p>
             <a:fld id="{62DE8017-325E-4800-BDDD-E3855642CAE0}" type="datetimeFigureOut">
               <a:rPr lang="pt-BR" smtClean="0"/>
-              <a:t>17/12/2024</a:t>
+              <a:t>29/01/2025</a:t>
             </a:fld>
             <a:endParaRPr lang="pt-BR"/>
           </a:p>
@@ -2847,7 +2848,7 @@
           <a:p>
             <a:fld id="{62DE8017-325E-4800-BDDD-E3855642CAE0}" type="datetimeFigureOut">
               <a:rPr lang="pt-BR" smtClean="0"/>
-              <a:t>17/12/2024</a:t>
+              <a:t>29/01/2025</a:t>
             </a:fld>
             <a:endParaRPr lang="pt-BR"/>
           </a:p>
@@ -2997,7 +2998,7 @@
           <a:p>
             <a:fld id="{62DE8017-325E-4800-BDDD-E3855642CAE0}" type="datetimeFigureOut">
               <a:rPr lang="pt-BR" smtClean="0"/>
-              <a:t>17/12/2024</a:t>
+              <a:t>29/01/2025</a:t>
             </a:fld>
             <a:endParaRPr lang="pt-BR"/>
           </a:p>
@@ -3116,7 +3117,7 @@
           <a:p>
             <a:fld id="{62DE8017-325E-4800-BDDD-E3855642CAE0}" type="datetimeFigureOut">
               <a:rPr lang="pt-BR" smtClean="0"/>
-              <a:t>17/12/2024</a:t>
+              <a:t>29/01/2025</a:t>
             </a:fld>
             <a:endParaRPr lang="pt-BR"/>
           </a:p>
@@ -3426,7 +3427,7 @@
           <a:p>
             <a:fld id="{62DE8017-325E-4800-BDDD-E3855642CAE0}" type="datetimeFigureOut">
               <a:rPr lang="pt-BR" smtClean="0"/>
-              <a:t>17/12/2024</a:t>
+              <a:t>29/01/2025</a:t>
             </a:fld>
             <a:endParaRPr lang="pt-BR"/>
           </a:p>
@@ -3716,7 +3717,7 @@
           <a:p>
             <a:fld id="{62DE8017-325E-4800-BDDD-E3855642CAE0}" type="datetimeFigureOut">
               <a:rPr lang="pt-BR" smtClean="0"/>
-              <a:t>17/12/2024</a:t>
+              <a:t>29/01/2025</a:t>
             </a:fld>
             <a:endParaRPr lang="pt-BR"/>
           </a:p>
@@ -5203,7 +5204,7 @@
               <a:defRPr/>
             </a:pPr>
             <a:r>
-              <a:rPr kumimoji="0" lang="pt-BR" sz="1000" b="0" i="0" u="none" strike="noStrike" kern="1200" cap="none" spc="0" normalizeH="0" baseline="0" noProof="0">
+              <a:rPr kumimoji="0" lang="pt-BR" sz="1000" b="0" i="0" u="none" strike="noStrike" kern="1200" cap="none" spc="0" normalizeH="0" baseline="0" noProof="0" dirty="0">
                 <a:ln>
                   <a:noFill/>
                 </a:ln>
@@ -5217,15 +5218,15 @@
                 <a:ea typeface="+mn-ea"/>
                 <a:cs typeface="+mn-cs"/>
               </a:rPr>
-              <a:t>funcionário(a), portador(a) do CPF: [cpf], concluiu o treinamento de capacitação profissional, conforme a </a:t>
-            </a:r>
-            <a:r>
-              <a:rPr kumimoji="0" lang="pt-BR" sz="1000" b="1" i="0" u="none" strike="noStrike" kern="1200" cap="none" spc="0" normalizeH="0" baseline="0" noProof="0">
+              <a:t>funcionário(a), portador(a) do CPF: [</a:t>
+            </a:r>
+            <a:r>
+              <a:rPr kumimoji="0" lang="pt-BR" sz="1000" b="0" i="0" u="none" strike="noStrike" kern="1200" cap="none" spc="0" normalizeH="0" baseline="0" noProof="0" dirty="0" err="1">
                 <a:ln>
                   <a:noFill/>
                 </a:ln>
                 <a:solidFill>
-                  <a:srgbClr val="FF0000"/>
+                  <a:srgbClr val="000000"/>
                 </a:solidFill>
                 <a:effectLst/>
                 <a:uLnTx/>
@@ -5234,10 +5235,10 @@
                 <a:ea typeface="+mn-ea"/>
                 <a:cs typeface="+mn-cs"/>
               </a:rPr>
-              <a:t>[nome_treinamento]</a:t>
-            </a:r>
-            <a:r>
-              <a:rPr kumimoji="0" lang="pt-BR" sz="1000" b="0" i="0" u="none" strike="noStrike" kern="1200" cap="none" spc="0" normalizeH="0" baseline="0" noProof="0">
+              <a:t>cpf</a:t>
+            </a:r>
+            <a:r>
+              <a:rPr kumimoji="0" lang="pt-BR" sz="1000" b="0" i="0" u="none" strike="noStrike" kern="1200" cap="none" spc="0" normalizeH="0" baseline="0" noProof="0" dirty="0">
                 <a:ln>
                   <a:noFill/>
                 </a:ln>
@@ -5251,10 +5252,10 @@
                 <a:ea typeface="+mn-ea"/>
                 <a:cs typeface="+mn-cs"/>
               </a:rPr>
-              <a:t>, regulamentada pela </a:t>
-            </a:r>
-            <a:r>
-              <a:rPr kumimoji="0" lang="pt-BR" sz="1000" b="1" i="0" u="none" strike="noStrike" kern="1200" cap="none" spc="0" normalizeH="0" baseline="0" noProof="0">
+              <a:t>], concluiu o treinamento de capacitação profissional, conforme a </a:t>
+            </a:r>
+            <a:r>
+              <a:rPr kumimoji="0" lang="pt-BR" sz="1000" b="1" i="0" u="none" strike="noStrike" kern="1200" cap="none" spc="0" normalizeH="0" baseline="0" noProof="0" dirty="0">
                 <a:ln>
                   <a:noFill/>
                 </a:ln>
@@ -5268,15 +5269,15 @@
                 <a:ea typeface="+mn-ea"/>
                 <a:cs typeface="+mn-cs"/>
               </a:rPr>
-              <a:t>[portaria_treinamento]</a:t>
-            </a:r>
-            <a:r>
-              <a:rPr kumimoji="0" lang="pt-BR" sz="1000" b="0" i="0" u="none" strike="noStrike" kern="1200" cap="none" spc="0" normalizeH="0" baseline="0" noProof="0">
+              <a:t>[</a:t>
+            </a:r>
+            <a:r>
+              <a:rPr kumimoji="0" lang="pt-BR" sz="1000" b="1" i="0" u="none" strike="noStrike" kern="1200" cap="none" spc="0" normalizeH="0" baseline="0" noProof="0" dirty="0" err="1">
                 <a:ln>
                   <a:noFill/>
                 </a:ln>
                 <a:solidFill>
-                  <a:srgbClr val="000000"/>
+                  <a:srgbClr val="FF0000"/>
                 </a:solidFill>
                 <a:effectLst/>
                 <a:uLnTx/>
@@ -5285,10 +5286,10 @@
                 <a:ea typeface="+mn-ea"/>
                 <a:cs typeface="+mn-cs"/>
               </a:rPr>
-              <a:t>. Este treinamento foi patrocinado pela empresa </a:t>
-            </a:r>
-            <a:r>
-              <a:rPr kumimoji="0" lang="pt-BR" sz="1000" b="0" i="0" u="none" strike="noStrike" kern="1200" cap="none" spc="0" normalizeH="0" baseline="0" noProof="0">
+              <a:t>nome_treinamento</a:t>
+            </a:r>
+            <a:r>
+              <a:rPr kumimoji="0" lang="pt-BR" sz="1000" b="1" i="0" u="none" strike="noStrike" kern="1200" cap="none" spc="0" normalizeH="0" baseline="0" noProof="0" dirty="0">
                 <a:ln>
                   <a:noFill/>
                 </a:ln>
@@ -5302,10 +5303,10 @@
                 <a:ea typeface="+mn-ea"/>
                 <a:cs typeface="+mn-cs"/>
               </a:rPr>
-              <a:t>[empresa]</a:t>
-            </a:r>
-            <a:r>
-              <a:rPr kumimoji="0" lang="pt-BR" sz="1000" b="0" i="0" u="none" strike="noStrike" kern="1200" cap="none" spc="0" normalizeH="0" baseline="0" noProof="0">
+              <a:t>]</a:t>
+            </a:r>
+            <a:r>
+              <a:rPr kumimoji="0" lang="pt-BR" sz="1000" b="0" i="0" u="none" strike="noStrike" kern="1200" cap="none" spc="0" normalizeH="0" baseline="0" noProof="0" dirty="0">
                 <a:ln>
                   <a:noFill/>
                 </a:ln>
@@ -5319,10 +5320,10 @@
                 <a:ea typeface="+mn-ea"/>
                 <a:cs typeface="+mn-cs"/>
               </a:rPr>
-              <a:t>, inscrita no CNPJ: </a:t>
-            </a:r>
-            <a:r>
-              <a:rPr kumimoji="0" lang="pt-BR" sz="1000" b="0" i="0" u="none" strike="noStrike" kern="1200" cap="none" spc="0" normalizeH="0" baseline="0" noProof="0">
+              <a:t>, regulamentada pela </a:t>
+            </a:r>
+            <a:r>
+              <a:rPr kumimoji="0" lang="pt-BR" sz="1000" b="1" i="0" u="none" strike="noStrike" kern="1200" cap="none" spc="0" normalizeH="0" baseline="0" noProof="0" dirty="0">
                 <a:ln>
                   <a:noFill/>
                 </a:ln>
@@ -5336,15 +5337,15 @@
                 <a:ea typeface="+mn-ea"/>
                 <a:cs typeface="+mn-cs"/>
               </a:rPr>
-              <a:t>[cnpj]</a:t>
-            </a:r>
-            <a:r>
-              <a:rPr kumimoji="0" lang="pt-BR" sz="1000" b="0" i="0" u="none" strike="noStrike" kern="1200" cap="none" spc="0" normalizeH="0" baseline="0" noProof="0">
+              <a:t>[</a:t>
+            </a:r>
+            <a:r>
+              <a:rPr kumimoji="0" lang="pt-BR" sz="1000" b="1" i="0" u="none" strike="noStrike" kern="1200" cap="none" spc="0" normalizeH="0" baseline="0" noProof="0" dirty="0" err="1">
                 <a:ln>
                   <a:noFill/>
                 </a:ln>
                 <a:solidFill>
-                  <a:srgbClr val="000000"/>
+                  <a:srgbClr val="FF0000"/>
                 </a:solidFill>
                 <a:effectLst/>
                 <a:uLnTx/>
@@ -5353,10 +5354,10 @@
                 <a:ea typeface="+mn-ea"/>
                 <a:cs typeface="+mn-cs"/>
               </a:rPr>
-              <a:t>, e realizado no dia </a:t>
-            </a:r>
-            <a:r>
-              <a:rPr kumimoji="0" lang="pt-BR" sz="1000" b="0" i="0" u="none" strike="noStrike" kern="1200" cap="none" spc="0" normalizeH="0" baseline="0" noProof="0">
+              <a:t>portaria_treinamento</a:t>
+            </a:r>
+            <a:r>
+              <a:rPr kumimoji="0" lang="pt-BR" sz="1000" b="1" i="0" u="none" strike="noStrike" kern="1200" cap="none" spc="0" normalizeH="0" baseline="0" noProof="0" dirty="0">
                 <a:ln>
                   <a:noFill/>
                 </a:ln>
@@ -5370,10 +5371,10 @@
                 <a:ea typeface="+mn-ea"/>
                 <a:cs typeface="+mn-cs"/>
               </a:rPr>
-              <a:t>[r_dia]</a:t>
-            </a:r>
-            <a:r>
-              <a:rPr kumimoji="0" lang="pt-BR" sz="1000" b="0" i="0" u="none" strike="noStrike" kern="1200" cap="none" spc="0" normalizeH="0" baseline="0" noProof="0">
+              <a:t>]</a:t>
+            </a:r>
+            <a:r>
+              <a:rPr kumimoji="0" lang="pt-BR" sz="1000" b="0" i="0" u="none" strike="noStrike" kern="1200" cap="none" spc="0" normalizeH="0" baseline="0" noProof="0" dirty="0">
                 <a:ln>
                   <a:noFill/>
                 </a:ln>
@@ -5387,10 +5388,10 @@
                 <a:ea typeface="+mn-ea"/>
                 <a:cs typeface="+mn-cs"/>
               </a:rPr>
-              <a:t> de </a:t>
-            </a:r>
-            <a:r>
-              <a:rPr kumimoji="0" lang="pt-BR" sz="1000" b="0" i="0" u="none" strike="noStrike" kern="1200" cap="none" spc="0" normalizeH="0" baseline="0" noProof="0">
+              <a:t>. Este treinamento foi patrocinado pela empresa </a:t>
+            </a:r>
+            <a:r>
+              <a:rPr kumimoji="0" lang="pt-BR" sz="1000" b="0" i="0" u="none" strike="noStrike" kern="1200" cap="none" spc="0" normalizeH="0" baseline="0" noProof="0" dirty="0">
                 <a:ln>
                   <a:noFill/>
                 </a:ln>
@@ -5404,10 +5405,10 @@
                 <a:ea typeface="+mn-ea"/>
                 <a:cs typeface="+mn-cs"/>
               </a:rPr>
-              <a:t>[r_mes]</a:t>
-            </a:r>
-            <a:r>
-              <a:rPr kumimoji="0" lang="pt-BR" sz="1000" b="0" i="0" u="none" strike="noStrike" kern="1200" cap="none" spc="0" normalizeH="0" baseline="0" noProof="0">
+              <a:t>[empresa]</a:t>
+            </a:r>
+            <a:r>
+              <a:rPr kumimoji="0" lang="pt-BR" sz="1000" b="0" i="0" u="none" strike="noStrike" kern="1200" cap="none" spc="0" normalizeH="0" baseline="0" noProof="0" dirty="0">
                 <a:ln>
                   <a:noFill/>
                 </a:ln>
@@ -5421,10 +5422,10 @@
                 <a:ea typeface="+mn-ea"/>
                 <a:cs typeface="+mn-cs"/>
               </a:rPr>
-              <a:t> de 2024, das </a:t>
-            </a:r>
-            <a:r>
-              <a:rPr kumimoji="0" lang="pt-BR" sz="1000" b="0" i="0" u="none" strike="noStrike" kern="1200" cap="none" spc="0" normalizeH="0" baseline="0" noProof="0">
+              <a:t>, inscrita no CNPJ: </a:t>
+            </a:r>
+            <a:r>
+              <a:rPr kumimoji="0" lang="pt-BR" sz="1000" b="0" i="0" u="none" strike="noStrike" kern="1200" cap="none" spc="0" normalizeH="0" baseline="0" noProof="0" dirty="0">
                 <a:ln>
                   <a:noFill/>
                 </a:ln>
@@ -5438,15 +5439,15 @@
                 <a:ea typeface="+mn-ea"/>
                 <a:cs typeface="+mn-cs"/>
               </a:rPr>
-              <a:t>[r_hora]</a:t>
-            </a:r>
-            <a:r>
-              <a:rPr kumimoji="0" lang="pt-BR" sz="1000" b="0" i="0" u="none" strike="noStrike" kern="1200" cap="none" spc="0" normalizeH="0" baseline="0" noProof="0">
+              <a:t>[</a:t>
+            </a:r>
+            <a:r>
+              <a:rPr kumimoji="0" lang="pt-BR" sz="1000" b="0" i="0" u="none" strike="noStrike" kern="1200" cap="none" spc="0" normalizeH="0" baseline="0" noProof="0" dirty="0" err="1">
                 <a:ln>
                   <a:noFill/>
                 </a:ln>
                 <a:solidFill>
-                  <a:srgbClr val="000000"/>
+                  <a:srgbClr val="FF0000"/>
                 </a:solidFill>
                 <a:effectLst/>
                 <a:uLnTx/>
@@ -5455,10 +5456,10 @@
                 <a:ea typeface="+mn-ea"/>
                 <a:cs typeface="+mn-cs"/>
               </a:rPr>
-              <a:t> às [r_minutos]</a:t>
-            </a:r>
-            <a:r>
-              <a:rPr kumimoji="0" lang="pt-BR" sz="1000" b="0" i="0" u="none" strike="noStrike" kern="1200" cap="none" spc="0" normalizeH="0" baseline="0" noProof="0">
+              <a:t>cnpj</a:t>
+            </a:r>
+            <a:r>
+              <a:rPr kumimoji="0" lang="pt-BR" sz="1000" b="0" i="0" u="none" strike="noStrike" kern="1200" cap="none" spc="0" normalizeH="0" baseline="0" noProof="0" dirty="0">
                 <a:ln>
                   <a:noFill/>
                 </a:ln>
@@ -5472,10 +5473,10 @@
                 <a:ea typeface="+mn-ea"/>
                 <a:cs typeface="+mn-cs"/>
               </a:rPr>
-              <a:t>,</a:t>
-            </a:r>
-            <a:r>
-              <a:rPr kumimoji="0" lang="pt-BR" sz="1000" b="0" i="0" u="none" strike="noStrike" kern="1200" cap="none" spc="0" normalizeH="0" baseline="0" noProof="0">
+              <a:t>]</a:t>
+            </a:r>
+            <a:r>
+              <a:rPr kumimoji="0" lang="pt-BR" sz="1000" b="0" i="0" u="none" strike="noStrike" kern="1200" cap="none" spc="0" normalizeH="0" baseline="0" noProof="0" dirty="0">
                 <a:ln>
                   <a:noFill/>
                 </a:ln>
@@ -5489,15 +5490,42 @@
                 <a:ea typeface="+mn-ea"/>
                 <a:cs typeface="+mn-cs"/>
               </a:rPr>
-              <a:t> totalizando uma carga horária de </a:t>
-            </a:r>
-            <a:r>
-              <a:rPr kumimoji="0" lang="pt-BR" sz="1000" b="0" i="0" u="none" strike="noStrike" kern="1200" cap="none" spc="0" normalizeH="0" baseline="0" noProof="0">
+              <a:t>, e realizado no dia </a:t>
+            </a:r>
+            <a:r>
+              <a:rPr lang="pt-BR" sz="1000" dirty="0">
+                <a:solidFill>
+                  <a:srgbClr val="FF0000"/>
+                </a:solidFill>
+                <a:latin typeface="Arial"/>
+              </a:rPr>
+              <a:t>[</a:t>
+            </a:r>
+            <a:r>
+              <a:rPr lang="pt-BR" sz="1000" dirty="0" err="1">
+                <a:solidFill>
+                  <a:srgbClr val="FF0000"/>
+                </a:solidFill>
+                <a:latin typeface="Arial"/>
+              </a:rPr>
+              <a:t>data_realizada</a:t>
+            </a:r>
+            <a:r>
+              <a:rPr lang="pt-BR" sz="1000" dirty="0">
+                <a:solidFill>
+                  <a:srgbClr val="FF0000"/>
+                </a:solidFill>
+                <a:latin typeface="Arial"/>
+              </a:rPr>
+              <a:t>],</a:t>
+            </a:r>
+            <a:r>
+              <a:rPr kumimoji="0" lang="pt-BR" sz="1000" b="0" i="0" u="none" strike="noStrike" kern="1200" cap="none" spc="0" normalizeH="0" baseline="0" noProof="0" dirty="0">
                 <a:ln>
                   <a:noFill/>
                 </a:ln>
                 <a:solidFill>
-                  <a:srgbClr val="FF0000"/>
+                  <a:srgbClr val="000000"/>
                 </a:solidFill>
                 <a:effectLst/>
                 <a:uLnTx/>
@@ -5506,15 +5534,15 @@
                 <a:ea typeface="+mn-ea"/>
                 <a:cs typeface="+mn-cs"/>
               </a:rPr>
-              <a:t>[carga_hora]</a:t>
-            </a:r>
-            <a:r>
-              <a:rPr kumimoji="0" lang="pt-BR" sz="1000" b="0" i="0" u="none" strike="noStrike" kern="1200" cap="none" spc="0" normalizeH="0" baseline="0" noProof="0">
+              <a:t> das </a:t>
+            </a:r>
+            <a:r>
+              <a:rPr kumimoji="0" lang="pt-BR" sz="1000" b="0" i="0" u="none" strike="noStrike" kern="1200" cap="none" spc="0" normalizeH="0" baseline="0" noProof="0" dirty="0">
                 <a:ln>
                   <a:noFill/>
                 </a:ln>
                 <a:solidFill>
-                  <a:srgbClr val="000000"/>
+                  <a:srgbClr val="FF0000"/>
                 </a:solidFill>
                 <a:effectLst/>
                 <a:uLnTx/>
@@ -5523,9 +5551,138 @@
                 <a:ea typeface="+mn-ea"/>
                 <a:cs typeface="+mn-cs"/>
               </a:rPr>
+              <a:t>[r</a:t>
+            </a:r>
+            <a:r>
+              <a:rPr lang="pt-BR" sz="1000" dirty="0">
+                <a:solidFill>
+                  <a:srgbClr val="FF0000"/>
+                </a:solidFill>
+                <a:latin typeface="Arial"/>
+              </a:rPr>
+              <a:t>_hora_1]</a:t>
+            </a:r>
+            <a:r>
+              <a:rPr kumimoji="0" lang="pt-BR" sz="1000" b="0" i="0" u="none" strike="noStrike" kern="1200" cap="none" spc="0" normalizeH="0" baseline="0" noProof="0" dirty="0">
+                <a:ln>
+                  <a:noFill/>
+                </a:ln>
+                <a:solidFill>
+                  <a:srgbClr val="000000"/>
+                </a:solidFill>
+                <a:effectLst/>
+                <a:uLnTx/>
+                <a:uFillTx/>
+                <a:latin typeface="Arial"/>
+                <a:ea typeface="+mn-ea"/>
+                <a:cs typeface="+mn-cs"/>
+              </a:rPr>
+              <a:t> às </a:t>
+            </a:r>
+            <a:r>
+              <a:rPr lang="pt-BR" sz="1000" dirty="0">
+                <a:solidFill>
+                  <a:srgbClr val="000000"/>
+                </a:solidFill>
+                <a:latin typeface="Arial"/>
+              </a:rPr>
+              <a:t>[r_hora_2]</a:t>
+            </a:r>
+            <a:r>
+              <a:rPr lang="pt-BR" sz="1000" dirty="0">
+                <a:solidFill>
+                  <a:srgbClr val="FF0000"/>
+                </a:solidFill>
+                <a:latin typeface="Arial"/>
+              </a:rPr>
+              <a:t>,</a:t>
+            </a:r>
+            <a:r>
+              <a:rPr kumimoji="0" lang="pt-BR" sz="1000" b="0" i="0" u="none" strike="noStrike" kern="1200" cap="none" spc="0" normalizeH="0" baseline="0" noProof="0" dirty="0">
+                <a:ln>
+                  <a:noFill/>
+                </a:ln>
+                <a:solidFill>
+                  <a:srgbClr val="000000"/>
+                </a:solidFill>
+                <a:effectLst/>
+                <a:uLnTx/>
+                <a:uFillTx/>
+                <a:latin typeface="Arial"/>
+                <a:ea typeface="+mn-ea"/>
+                <a:cs typeface="+mn-cs"/>
+              </a:rPr>
+              <a:t> totalizando uma carga horária de </a:t>
+            </a:r>
+            <a:r>
+              <a:rPr kumimoji="0" lang="pt-BR" sz="1000" b="0" i="0" u="none" strike="noStrike" kern="1200" cap="none" spc="0" normalizeH="0" baseline="0" noProof="0" dirty="0">
+                <a:ln>
+                  <a:noFill/>
+                </a:ln>
+                <a:solidFill>
+                  <a:srgbClr val="FF0000"/>
+                </a:solidFill>
+                <a:effectLst/>
+                <a:uLnTx/>
+                <a:uFillTx/>
+                <a:latin typeface="Arial"/>
+                <a:ea typeface="+mn-ea"/>
+                <a:cs typeface="+mn-cs"/>
+              </a:rPr>
+              <a:t>[</a:t>
+            </a:r>
+            <a:r>
+              <a:rPr kumimoji="0" lang="pt-BR" sz="1000" b="0" i="0" u="none" strike="noStrike" kern="1200" cap="none" spc="0" normalizeH="0" baseline="0" noProof="0" dirty="0" err="1">
+                <a:ln>
+                  <a:noFill/>
+                </a:ln>
+                <a:solidFill>
+                  <a:srgbClr val="FF0000"/>
+                </a:solidFill>
+                <a:effectLst/>
+                <a:uLnTx/>
+                <a:uFillTx/>
+                <a:latin typeface="Arial"/>
+                <a:ea typeface="+mn-ea"/>
+                <a:cs typeface="+mn-cs"/>
+              </a:rPr>
+              <a:t>carga_hora</a:t>
+            </a:r>
+            <a:r>
+              <a:rPr kumimoji="0" lang="pt-BR" sz="1000" b="0" i="0" u="none" strike="noStrike" kern="1200" cap="none" spc="0" normalizeH="0" baseline="0" noProof="0" dirty="0">
+                <a:ln>
+                  <a:noFill/>
+                </a:ln>
+                <a:solidFill>
+                  <a:srgbClr val="FF0000"/>
+                </a:solidFill>
+                <a:effectLst/>
+                <a:uLnTx/>
+                <a:uFillTx/>
+                <a:latin typeface="Arial"/>
+                <a:ea typeface="+mn-ea"/>
+                <a:cs typeface="+mn-cs"/>
+              </a:rPr>
+              <a:t>]</a:t>
+            </a:r>
+            <a:r>
+              <a:rPr kumimoji="0" lang="pt-BR" sz="1000" b="0" i="0" u="none" strike="noStrike" kern="1200" cap="none" spc="0" normalizeH="0" baseline="0" noProof="0" dirty="0">
+                <a:ln>
+                  <a:noFill/>
+                </a:ln>
+                <a:solidFill>
+                  <a:srgbClr val="000000"/>
+                </a:solidFill>
+                <a:effectLst/>
+                <a:uLnTx/>
+                <a:uFillTx/>
+                <a:latin typeface="Arial"/>
+                <a:ea typeface="+mn-ea"/>
+                <a:cs typeface="+mn-cs"/>
+              </a:rPr>
               <a:t> horas/aula. O(a) participante foi avaliado(a) e considerado(a) apto(a) pelo instrutor e responsável técnica da capacitação.</a:t>
             </a:r>
-            <a:endParaRPr kumimoji="0" lang="en-US" sz="1000" b="0" i="0" u="none" strike="noStrike" kern="1200" cap="none" spc="0" normalizeH="0" baseline="0" noProof="0">
+            <a:endParaRPr lang="en-US" sz="1000" b="0" i="0" u="none" strike="noStrike" kern="1200" cap="none" spc="0" normalizeH="0" baseline="0" noProof="0">
               <a:ln>
                 <a:noFill/>
               </a:ln>
@@ -5536,8 +5693,7 @@
               <a:uLnTx/>
               <a:uFillTx/>
               <a:latin typeface="Arial"/>
-              <a:ea typeface="+mn-ea"/>
-              <a:cs typeface="+mn-cs"/>
+              <a:cs typeface="Arial"/>
             </a:endParaRPr>
           </a:p>
           <a:p>
@@ -5592,7 +5748,7 @@
               <a:defRPr/>
             </a:pPr>
             <a:r>
-              <a:rPr kumimoji="0" lang="pt-BR" sz="1050" b="1" i="0" u="none" strike="noStrike" kern="1200" cap="none" spc="0" normalizeH="0" baseline="0" noProof="0">
+              <a:rPr kumimoji="0" lang="pt-BR" sz="1050" b="1" i="0" u="none" strike="noStrike" kern="1200" cap="none" spc="0" normalizeH="0" baseline="0" noProof="0" dirty="0">
                 <a:ln>
                   <a:noFill/>
                 </a:ln>
@@ -5609,7 +5765,7 @@
               <a:t>EMISSÃO DO CERTIFICADO DIA </a:t>
             </a:r>
             <a:r>
-              <a:rPr kumimoji="0" lang="pt-BR" sz="1050" b="1" i="0" u="none" strike="noStrike" kern="1200" cap="none" spc="0" normalizeH="0" baseline="0" noProof="0">
+              <a:rPr kumimoji="0" lang="pt-BR" sz="1050" b="1" i="0" u="none" strike="noStrike" kern="1200" cap="none" spc="0" normalizeH="0" baseline="0" noProof="0" dirty="0">
                 <a:ln>
                   <a:noFill/>
                 </a:ln>
@@ -5623,15 +5779,15 @@
                 <a:ea typeface="+mn-ea"/>
                 <a:cs typeface="+mn-cs"/>
               </a:rPr>
-              <a:t>[e_dia]</a:t>
-            </a:r>
-            <a:r>
-              <a:rPr kumimoji="0" lang="pt-BR" sz="1050" b="1" i="0" u="none" strike="noStrike" kern="1200" cap="none" spc="0" normalizeH="0" baseline="0" noProof="0">
+              <a:t>[</a:t>
+            </a:r>
+            <a:r>
+              <a:rPr kumimoji="0" lang="pt-BR" sz="1050" b="1" i="0" u="none" strike="noStrike" kern="1200" cap="none" spc="0" normalizeH="0" baseline="0" noProof="0" dirty="0" err="1">
                 <a:ln>
                   <a:noFill/>
                 </a:ln>
                 <a:solidFill>
-                  <a:srgbClr val="000000"/>
+                  <a:srgbClr val="FF0000"/>
                 </a:solidFill>
                 <a:effectLst/>
                 <a:uLnTx/>
@@ -5640,10 +5796,10 @@
                 <a:ea typeface="+mn-ea"/>
                 <a:cs typeface="+mn-cs"/>
               </a:rPr>
-              <a:t> DE </a:t>
-            </a:r>
-            <a:r>
-              <a:rPr kumimoji="0" lang="pt-BR" sz="1050" b="1" i="0" u="none" strike="noStrike" kern="1200" cap="none" spc="0" normalizeH="0" baseline="0" noProof="0">
+              <a:t>e_dia</a:t>
+            </a:r>
+            <a:r>
+              <a:rPr kumimoji="0" lang="pt-BR" sz="1050" b="1" i="0" u="none" strike="noStrike" kern="1200" cap="none" spc="0" normalizeH="0" baseline="0" noProof="0" dirty="0">
                 <a:ln>
                   <a:noFill/>
                 </a:ln>
@@ -5657,10 +5813,10 @@
                 <a:ea typeface="+mn-ea"/>
                 <a:cs typeface="+mn-cs"/>
               </a:rPr>
-              <a:t>[e_mes]</a:t>
-            </a:r>
-            <a:r>
-              <a:rPr kumimoji="0" lang="pt-BR" sz="1050" b="1" i="0" u="none" strike="noStrike" kern="1200" cap="none" spc="0" normalizeH="0" baseline="0" noProof="0">
+              <a:t>]</a:t>
+            </a:r>
+            <a:r>
+              <a:rPr kumimoji="0" lang="pt-BR" sz="1050" b="1" i="0" u="none" strike="noStrike" kern="1200" cap="none" spc="0" normalizeH="0" baseline="0" noProof="0" dirty="0">
                 <a:ln>
                   <a:noFill/>
                 </a:ln>
@@ -5674,9 +5830,104 @@
                 <a:ea typeface="+mn-ea"/>
                 <a:cs typeface="+mn-cs"/>
               </a:rPr>
-              <a:t> DE 2024 – TRÊS LAGOAS/ MS.</a:t>
-            </a:r>
-            <a:endParaRPr kumimoji="0" lang="en-US" sz="1050" b="0" i="0" u="none" strike="noStrike" kern="1200" cap="none" spc="0" normalizeH="0" baseline="0" noProof="0">
+              <a:t> DE </a:t>
+            </a:r>
+            <a:r>
+              <a:rPr kumimoji="0" lang="pt-BR" sz="1050" b="1" i="0" u="none" strike="noStrike" kern="1200" cap="none" spc="0" normalizeH="0" baseline="0" noProof="0" dirty="0">
+                <a:ln>
+                  <a:noFill/>
+                </a:ln>
+                <a:solidFill>
+                  <a:srgbClr val="FF0000"/>
+                </a:solidFill>
+                <a:effectLst/>
+                <a:uLnTx/>
+                <a:uFillTx/>
+                <a:latin typeface="Arial"/>
+                <a:ea typeface="+mn-ea"/>
+                <a:cs typeface="+mn-cs"/>
+              </a:rPr>
+              <a:t>[</a:t>
+            </a:r>
+            <a:r>
+              <a:rPr kumimoji="0" lang="pt-BR" sz="1050" b="1" i="0" u="none" strike="noStrike" kern="1200" cap="none" spc="0" normalizeH="0" baseline="0" noProof="0" dirty="0" err="1">
+                <a:ln>
+                  <a:noFill/>
+                </a:ln>
+                <a:solidFill>
+                  <a:srgbClr val="FF0000"/>
+                </a:solidFill>
+                <a:effectLst/>
+                <a:uLnTx/>
+                <a:uFillTx/>
+                <a:latin typeface="Arial"/>
+                <a:ea typeface="+mn-ea"/>
+                <a:cs typeface="+mn-cs"/>
+              </a:rPr>
+              <a:t>e_mes</a:t>
+            </a:r>
+            <a:r>
+              <a:rPr kumimoji="0" lang="pt-BR" sz="1050" b="1" i="0" u="none" strike="noStrike" kern="1200" cap="none" spc="0" normalizeH="0" baseline="0" noProof="0" dirty="0">
+                <a:ln>
+                  <a:noFill/>
+                </a:ln>
+                <a:solidFill>
+                  <a:srgbClr val="FF0000"/>
+                </a:solidFill>
+                <a:effectLst/>
+                <a:uLnTx/>
+                <a:uFillTx/>
+                <a:latin typeface="Arial"/>
+                <a:ea typeface="+mn-ea"/>
+                <a:cs typeface="+mn-cs"/>
+              </a:rPr>
+              <a:t>]</a:t>
+            </a:r>
+            <a:r>
+              <a:rPr kumimoji="0" lang="pt-BR" sz="1050" b="1" i="0" u="none" strike="noStrike" kern="1200" cap="none" spc="0" normalizeH="0" baseline="0" noProof="0" dirty="0">
+                <a:ln>
+                  <a:noFill/>
+                </a:ln>
+                <a:solidFill>
+                  <a:srgbClr val="000000"/>
+                </a:solidFill>
+                <a:effectLst/>
+                <a:uLnTx/>
+                <a:uFillTx/>
+                <a:latin typeface="Arial"/>
+                <a:ea typeface="+mn-ea"/>
+                <a:cs typeface="+mn-cs"/>
+              </a:rPr>
+              <a:t> DE 2024 – </a:t>
+            </a:r>
+            <a:r>
+              <a:rPr lang="pt-BR" sz="1050" b="1" dirty="0">
+                <a:solidFill>
+                  <a:srgbClr val="000000"/>
+                </a:solidFill>
+                <a:latin typeface="Arial"/>
+              </a:rPr>
+              <a:t>[</a:t>
+            </a:r>
+            <a:r>
+              <a:rPr lang="pt-BR" sz="1050" b="1" dirty="0" err="1">
+                <a:solidFill>
+                  <a:srgbClr val="000000"/>
+                </a:solidFill>
+                <a:latin typeface="Arial"/>
+              </a:rPr>
+              <a:t>local_emissao</a:t>
+            </a:r>
+            <a:r>
+              <a:rPr lang="pt-BR" sz="1050" b="1" dirty="0">
+                <a:solidFill>
+                  <a:srgbClr val="000000"/>
+                </a:solidFill>
+                <a:latin typeface="Arial"/>
+              </a:rPr>
+              <a:t>].</a:t>
+            </a:r>
+            <a:endParaRPr kumimoji="0" lang="en-US" sz="1050" b="0" i="0" u="none" strike="noStrike" kern="1200" cap="none" spc="0" normalizeH="0" baseline="0" noProof="0" dirty="0">
               <a:ln>
                 <a:noFill/>
               </a:ln>
@@ -5836,7 +6087,7 @@
               <a:defRPr/>
             </a:pPr>
             <a:r>
-              <a:rPr kumimoji="0" lang="pt-BR" sz="900" b="0" i="0" u="none" strike="noStrike" kern="1200" cap="none" spc="0" normalizeH="0" baseline="0" noProof="0">
+              <a:rPr kumimoji="0" lang="pt-BR" sz="900" b="0" i="0" u="none" strike="noStrike" kern="1200" cap="none" spc="0" normalizeH="0" baseline="0" noProof="0" dirty="0">
                 <a:ln>
                   <a:noFill/>
                 </a:ln>
@@ -5853,7 +6104,7 @@
               <a:t>Código do Certificado: </a:t>
             </a:r>
             <a:r>
-              <a:rPr kumimoji="0" lang="pt-BR" sz="900" b="1" i="0" u="none" strike="noStrike" kern="1200" cap="none" spc="0" normalizeH="0" baseline="0" noProof="0">
+              <a:rPr kumimoji="0" lang="pt-BR" sz="900" b="1" i="0" u="none" strike="noStrike" kern="1200" cap="none" spc="0" normalizeH="0" baseline="0" noProof="0" dirty="0">
                 <a:ln>
                   <a:noFill/>
                 </a:ln>
@@ -5870,12 +6121,48 @@
               <a:t>LFSTS  </a:t>
             </a:r>
             <a:r>
-              <a:rPr kumimoji="0" lang="pt-BR" sz="900" b="1" i="0" u="none" strike="noStrike" kern="1200" cap="none" spc="0" normalizeH="0" baseline="0" noProof="0">
+              <a:rPr lang="pt-BR" sz="900" b="1" dirty="0">
+                <a:solidFill>
+                  <a:srgbClr val="FF0000"/>
+                </a:solidFill>
+                <a:latin typeface="Arial"/>
+              </a:rPr>
+              <a:t>[</a:t>
+            </a:r>
+            <a:r>
+              <a:rPr lang="pt-BR" sz="900" b="1" dirty="0" err="1">
+                <a:solidFill>
+                  <a:srgbClr val="FF0000"/>
+                </a:solidFill>
+                <a:latin typeface="Arial"/>
+              </a:rPr>
+              <a:t>codigo</a:t>
+            </a:r>
+            <a:r>
+              <a:rPr lang="pt-BR" sz="900" b="1" dirty="0">
+                <a:solidFill>
+                  <a:srgbClr val="FF0000"/>
+                </a:solidFill>
+                <a:latin typeface="Arial"/>
+              </a:rPr>
+              <a:t>]</a:t>
+            </a:r>
+            <a:r>
+              <a:rPr lang="pt-BR" sz="900" b="1" dirty="0">
+                <a:solidFill>
+                  <a:srgbClr val="000000"/>
+                </a:solidFill>
+                <a:latin typeface="Arial"/>
+              </a:rPr>
+              <a:t>/</a:t>
+            </a:r>
+            <a:r>
+              <a:rPr kumimoji="0" lang="pt-BR" sz="900" b="1" i="0" u="none" strike="noStrike" kern="1200" cap="none" spc="0" normalizeH="0" baseline="0" noProof="0" dirty="0">
                 <a:ln>
                   <a:noFill/>
                 </a:ln>
                 <a:solidFill>
-                  <a:srgbClr val="FF0000"/>
+                  <a:srgbClr val="000000"/>
                 </a:solidFill>
                 <a:effectLst/>
                 <a:uLnTx/>
@@ -5884,26 +6171,9 @@
                 <a:ea typeface="+mn-ea"/>
                 <a:cs typeface="+mn-cs"/>
               </a:rPr>
-              <a:t>xxxx</a:t>
-            </a:r>
-            <a:r>
-              <a:rPr kumimoji="0" lang="pt-BR" sz="900" b="1" i="0" u="none" strike="noStrike" kern="1200" cap="none" spc="0" normalizeH="0" baseline="0" noProof="0">
-                <a:ln>
-                  <a:noFill/>
-                </a:ln>
-                <a:solidFill>
-                  <a:srgbClr val="000000"/>
-                </a:solidFill>
-                <a:effectLst/>
-                <a:uLnTx/>
-                <a:uFillTx/>
-                <a:latin typeface="Arial"/>
-                <a:ea typeface="+mn-ea"/>
-                <a:cs typeface="+mn-cs"/>
-              </a:rPr>
-              <a:t>/2024</a:t>
-            </a:r>
-            <a:endParaRPr kumimoji="0" lang="en-US" sz="900" b="0" i="0" u="none" strike="noStrike" kern="1200" cap="none" spc="0" normalizeH="0" baseline="0" noProof="0">
+              <a:t>2024</a:t>
+            </a:r>
+            <a:endParaRPr kumimoji="0" lang="en-US" sz="900" b="0" i="0" u="none" strike="noStrike" kern="1200" cap="none" spc="0" normalizeH="0" baseline="0" noProof="0" dirty="0">
               <a:ln>
                 <a:noFill/>
               </a:ln>
@@ -6182,14 +6452,14 @@
         <p:spPr>
           <a:xfrm>
             <a:off x="2266506" y="551496"/>
-            <a:ext cx="6960214" cy="523220"/>
-          </a:xfrm>
-          <a:prstGeom prst="rect">
-            <a:avLst/>
-          </a:prstGeom>
-        </p:spPr>
-        <p:txBody>
-          <a:bodyPr wrap="square">
+            <a:ext cx="6960214" cy="307777"/>
+          </a:xfrm>
+          <a:prstGeom prst="rect">
+            <a:avLst/>
+          </a:prstGeom>
+        </p:spPr>
+        <p:txBody>
+          <a:bodyPr wrap="square" lIns="91440" tIns="45720" rIns="91440" bIns="45720" anchor="t">
             <a:spAutoFit/>
           </a:bodyPr>
           <a:lstStyle/>
@@ -6197,23 +6467,26 @@
             <a:pPr algn="ctr"/>
             <a:r>
               <a:rPr lang="pt-BR" sz="1400" b="1" dirty="0">
-                <a:latin typeface="Arial" panose="020B0604020202020204" pitchFamily="34" charset="0"/>
-                <a:ea typeface="Times New Roman"/>
-                <a:cs typeface="Arial" panose="020B0604020202020204" pitchFamily="34" charset="0"/>
-              </a:rPr>
-              <a:t>NR-33 - SEGURANÇA E SAÚDE NOS TRABALHOS EM ESPAÇOS CONFINADOS </a:t>
-            </a:r>
-          </a:p>
-          <a:p>
-            <a:pPr algn="ctr"/>
+                <a:latin typeface="Arial"/>
+                <a:cs typeface="Arial"/>
+              </a:rPr>
+              <a:t>[</a:t>
+            </a:r>
+            <a:r>
+              <a:rPr lang="pt-BR" sz="1400" b="1" dirty="0" err="1">
+                <a:latin typeface="Arial"/>
+                <a:cs typeface="Arial"/>
+              </a:rPr>
+              <a:t>titulo_treinamento</a:t>
+            </a:r>
             <a:r>
               <a:rPr lang="pt-BR" sz="1400" b="1" dirty="0">
-                <a:latin typeface="Arial" panose="020B0604020202020204" pitchFamily="34" charset="0"/>
-                <a:ea typeface="Times New Roman"/>
-                <a:cs typeface="Arial" panose="020B0604020202020204" pitchFamily="34" charset="0"/>
-              </a:rPr>
-              <a:t>VIGIA E TRABALHADOR AUTORIZADO </a:t>
-            </a:r>
+                <a:latin typeface="Arial"/>
+                <a:cs typeface="Arial"/>
+              </a:rPr>
+              <a:t>]</a:t>
+            </a:r>
+            <a:endParaRPr lang="pt-BR" dirty="0"/>
           </a:p>
         </p:txBody>
       </p:sp>
@@ -6228,7 +6501,7 @@
         <p:spPr bwMode="auto">
           <a:xfrm>
             <a:off x="421549" y="1762460"/>
-            <a:ext cx="4487883" cy="1785104"/>
+            <a:ext cx="4487883" cy="246221"/>
           </a:xfrm>
           <a:prstGeom prst="rect">
             <a:avLst/>
@@ -6249,133 +6522,29 @@
           <a:p>
             <a:r>
               <a:rPr lang="pt-BR" sz="1000" b="1" dirty="0">
-                <a:latin typeface="Arial" panose="020B0604020202020204" pitchFamily="34" charset="0"/>
-                <a:cs typeface="Arial" panose="020B0604020202020204" pitchFamily="34" charset="0"/>
-              </a:rPr>
-              <a:t>I. Definições</a:t>
-            </a:r>
-          </a:p>
-          <a:p>
-            <a:pPr marL="449263" indent="-182563">
-              <a:buFont typeface="Wingdings" panose="05000000000000000000" pitchFamily="2" charset="2"/>
-              <a:buChar char="v"/>
-            </a:pPr>
-            <a:r>
-              <a:rPr lang="pt-BR" sz="1000" dirty="0">
-                <a:latin typeface="Arial" panose="020B0604020202020204" pitchFamily="34" charset="0"/>
-                <a:cs typeface="Arial" panose="020B0604020202020204" pitchFamily="34" charset="0"/>
-              </a:rPr>
-              <a:t>Normas Regulamentadoras e Procedimentos Interno</a:t>
-            </a:r>
-          </a:p>
-          <a:p>
+                <a:latin typeface="Arial"/>
+                <a:cs typeface="Arial"/>
+              </a:rPr>
+              <a:t>[</a:t>
+            </a:r>
+            <a:r>
+              <a:rPr lang="pt-BR" sz="1000" b="1" dirty="0" err="1">
+                <a:latin typeface="Arial"/>
+                <a:cs typeface="Arial"/>
+              </a:rPr>
+              <a:t>conteudo</a:t>
+            </a:r>
             <a:r>
               <a:rPr lang="pt-BR" sz="1000" b="1" dirty="0">
-                <a:latin typeface="Arial" panose="020B0604020202020204" pitchFamily="34" charset="0"/>
-                <a:cs typeface="Arial" panose="020B0604020202020204" pitchFamily="34" charset="0"/>
-              </a:rPr>
-              <a:t>II. Reconhecimento, avaliação e controle de riscos</a:t>
-            </a:r>
-          </a:p>
-          <a:p>
-            <a:pPr marL="449263" indent="-182563">
-              <a:buFont typeface="Wingdings" panose="05000000000000000000" pitchFamily="2" charset="2"/>
-              <a:buChar char="v"/>
-            </a:pPr>
-            <a:r>
-              <a:rPr lang="pt-BR" sz="1000" dirty="0">
-                <a:latin typeface="Arial" panose="020B0604020202020204" pitchFamily="34" charset="0"/>
-                <a:cs typeface="Arial" panose="020B0604020202020204" pitchFamily="34" charset="0"/>
-              </a:rPr>
-              <a:t>Conhecimento do Inventário de Espaços Confinados</a:t>
-            </a:r>
-          </a:p>
-          <a:p>
-            <a:pPr marL="449263" indent="-182563">
-              <a:buFont typeface="Wingdings" panose="05000000000000000000" pitchFamily="2" charset="2"/>
-              <a:buChar char="v"/>
-            </a:pPr>
-            <a:r>
-              <a:rPr lang="pt-BR" sz="1000" dirty="0">
-                <a:latin typeface="Arial" panose="020B0604020202020204" pitchFamily="34" charset="0"/>
-                <a:cs typeface="Arial" panose="020B0604020202020204" pitchFamily="34" charset="0"/>
-              </a:rPr>
-              <a:t>Noções de Áreas Classificadas e Responsabilidades</a:t>
-            </a:r>
-          </a:p>
-          <a:p>
-            <a:pPr marL="449263" indent="-182563">
-              <a:buFont typeface="Wingdings" panose="05000000000000000000" pitchFamily="2" charset="2"/>
-              <a:buChar char="v"/>
-            </a:pPr>
-            <a:r>
-              <a:rPr lang="pt-BR" sz="1000" dirty="0">
-                <a:latin typeface="Arial" panose="020B0604020202020204" pitchFamily="34" charset="0"/>
-                <a:cs typeface="Arial" panose="020B0604020202020204" pitchFamily="34" charset="0"/>
-              </a:rPr>
-              <a:t>Noções de técnicas aplicáveis para ventilação no ambiente</a:t>
-            </a:r>
-          </a:p>
-          <a:p>
-            <a:r>
-              <a:rPr lang="pt-BR" sz="1000" b="1" dirty="0">
-                <a:latin typeface="Arial" panose="020B0604020202020204" pitchFamily="34" charset="0"/>
-                <a:cs typeface="Arial" panose="020B0604020202020204" pitchFamily="34" charset="0"/>
-              </a:rPr>
-              <a:t>III. Funcionamento de equipamentos utilizados</a:t>
-            </a:r>
-          </a:p>
-          <a:p>
-            <a:pPr marL="449263" indent="-182563">
-              <a:buFont typeface="Wingdings" panose="05000000000000000000" pitchFamily="2" charset="2"/>
-              <a:buChar char="v"/>
-            </a:pPr>
-            <a:r>
-              <a:rPr lang="pt-BR" sz="1000" dirty="0">
-                <a:latin typeface="Arial" panose="020B0604020202020204" pitchFamily="34" charset="0"/>
-                <a:cs typeface="Arial" panose="020B0604020202020204" pitchFamily="34" charset="0"/>
-              </a:rPr>
-              <a:t>Detector de Gás – Modelo Altair 5x</a:t>
-            </a:r>
-          </a:p>
-          <a:p>
-            <a:pPr marL="449263" indent="-182563">
-              <a:buFont typeface="Wingdings" panose="05000000000000000000" pitchFamily="2" charset="2"/>
-              <a:buChar char="v"/>
-            </a:pPr>
-            <a:r>
-              <a:rPr lang="pt-BR" sz="1000" dirty="0">
-                <a:latin typeface="Arial" panose="020B0604020202020204" pitchFamily="34" charset="0"/>
-                <a:cs typeface="Arial" panose="020B0604020202020204" pitchFamily="34" charset="0"/>
-              </a:rPr>
-              <a:t>Exaustor Insuflador de Ar - 300mm </a:t>
-            </a:r>
-          </a:p>
-          <a:p>
-            <a:pPr marL="449263" indent="-182563">
-              <a:buFont typeface="Wingdings" panose="05000000000000000000" pitchFamily="2" charset="2"/>
-              <a:buChar char="v"/>
-            </a:pPr>
-            <a:r>
-              <a:rPr lang="pt-BR" sz="1000" dirty="0">
-                <a:latin typeface="Arial" panose="020B0604020202020204" pitchFamily="34" charset="0"/>
-                <a:cs typeface="Arial" panose="020B0604020202020204" pitchFamily="34" charset="0"/>
-              </a:rPr>
-              <a:t>Vestimentas de Proteção Tipo Macacão, Luvas e botas</a:t>
-            </a:r>
-          </a:p>
-          <a:p>
-            <a:pPr marL="449263" indent="-182563">
-              <a:buFont typeface="Wingdings" panose="05000000000000000000" pitchFamily="2" charset="2"/>
-              <a:buChar char="v"/>
-            </a:pPr>
-            <a:r>
-              <a:rPr lang="pt-BR" sz="1000" dirty="0">
-                <a:latin typeface="Arial" panose="020B0604020202020204" pitchFamily="34" charset="0"/>
-                <a:cs typeface="Arial" panose="020B0604020202020204" pitchFamily="34" charset="0"/>
-              </a:rPr>
-              <a:t>Respiradores Faciais e Cartuchos Químicos</a:t>
-            </a:r>
+                <a:latin typeface="Arial"/>
+                <a:cs typeface="Arial"/>
+              </a:rPr>
+              <a:t>]</a:t>
+            </a:r>
+            <a:endParaRPr lang="pt-BR" sz="1000" b="1" dirty="0">
+              <a:latin typeface="Arial" panose="020B0604020202020204" pitchFamily="34" charset="0"/>
+              <a:cs typeface="Arial" panose="020B0604020202020204" pitchFamily="34" charset="0"/>
+            </a:endParaRPr>
           </a:p>
         </p:txBody>
       </p:sp>
@@ -6402,7 +6571,7 @@
           </a:ln>
         </p:spPr>
         <p:txBody>
-          <a:bodyPr wrap="square">
+          <a:bodyPr wrap="square" lIns="91440" tIns="45720" rIns="91440" bIns="45720" anchor="t">
             <a:spAutoFit/>
           </a:bodyPr>
           <a:lstStyle/>
@@ -6410,11 +6579,12 @@
             <a:pPr algn="ctr"/>
             <a:r>
               <a:rPr lang="pt-BR" sz="700" b="1" dirty="0">
-                <a:latin typeface="Arial" panose="020B0604020202020204" pitchFamily="34" charset="0"/>
-                <a:cs typeface="Arial" panose="020B0604020202020204" pitchFamily="34" charset="0"/>
-              </a:rPr>
-              <a:t>RESPONSÁVEL TÉCNICA DA CAPACITAÇÃO</a:t>
-            </a:r>
+                <a:latin typeface="Arial"/>
+                <a:cs typeface="Arial"/>
+              </a:rPr>
+              <a:t>[assinatura_4]</a:t>
+            </a:r>
+            <a:endParaRPr lang="pt-BR" dirty="0"/>
           </a:p>
           <a:p>
             <a:endParaRPr lang="pt-BR" sz="700" dirty="0">
@@ -6447,43 +6617,34 @@
           <a:p>
             <a:pPr algn="ctr"/>
             <a:r>
-              <a:rPr lang="pt-BR" sz="700" b="1" dirty="0" err="1">
-                <a:latin typeface="Arial" panose="020B0604020202020204" pitchFamily="34" charset="0"/>
-                <a:ea typeface="Times New Roman" panose="02020603050405020304" pitchFamily="18" charset="0"/>
-                <a:cs typeface="Arial" panose="020B0604020202020204" pitchFamily="34" charset="0"/>
-              </a:rPr>
-              <a:t>CLEDIONE</a:t>
-            </a:r>
-            <a:r>
               <a:rPr lang="pt-BR" sz="700" b="1" dirty="0">
-                <a:latin typeface="Arial" panose="020B0604020202020204" pitchFamily="34" charset="0"/>
-                <a:ea typeface="Times New Roman" panose="02020603050405020304" pitchFamily="18" charset="0"/>
-                <a:cs typeface="Arial" panose="020B0604020202020204" pitchFamily="34" charset="0"/>
-              </a:rPr>
-              <a:t> JUNQUEIRA DE ABREU</a:t>
-            </a:r>
+                <a:latin typeface="Arial"/>
+                <a:cs typeface="Arial"/>
+              </a:rPr>
+              <a:t>[nome4]</a:t>
+            </a:r>
+            <a:endParaRPr lang="pt-BR" dirty="0"/>
           </a:p>
           <a:p>
             <a:pPr algn="ctr"/>
             <a:r>
               <a:rPr lang="pt-BR" sz="700" dirty="0">
-                <a:latin typeface="Arial" panose="020B0604020202020204" pitchFamily="34" charset="0"/>
-                <a:ea typeface="Times New Roman" panose="02020603050405020304" pitchFamily="18" charset="0"/>
-                <a:cs typeface="Arial" panose="020B0604020202020204" pitchFamily="34" charset="0"/>
-              </a:rPr>
-              <a:t>ENGENHEIRA DE SEGURANÇA DO TRABALHO</a:t>
+                <a:latin typeface="Arial"/>
+                <a:cs typeface="Arial"/>
+              </a:rPr>
+              <a:t>[qualificação_profissional4]</a:t>
             </a:r>
           </a:p>
           <a:p>
             <a:pPr algn="ctr"/>
             <a:r>
               <a:rPr lang="pt-BR" sz="700" dirty="0">
-                <a:latin typeface="Arial" panose="020B0604020202020204" pitchFamily="34" charset="0"/>
-                <a:ea typeface="Times New Roman" panose="02020603050405020304" pitchFamily="18" charset="0"/>
-                <a:cs typeface="Arial" panose="020B0604020202020204" pitchFamily="34" charset="0"/>
-              </a:rPr>
-              <a:t>CREA N° 9949-MS</a:t>
-            </a:r>
+                <a:latin typeface="Arial"/>
+                <a:cs typeface="Arial"/>
+              </a:rPr>
+              <a:t>[registro_profissional4]</a:t>
+            </a:r>
+            <a:endParaRPr lang="pt-BR" dirty="0"/>
           </a:p>
         </p:txBody>
       </p:sp>
@@ -6510,7 +6671,7 @@
           <a:noFill/>
         </p:spPr>
         <p:txBody>
-          <a:bodyPr wrap="square">
+          <a:bodyPr wrap="square" lIns="91440" tIns="45720" rIns="91440" bIns="45720" anchor="t">
             <a:spAutoFit/>
           </a:bodyPr>
           <a:lstStyle/>
@@ -6518,11 +6679,26 @@
             <a:pPr algn="ctr"/>
             <a:r>
               <a:rPr lang="pt-BR" sz="1050" dirty="0">
-                <a:latin typeface="Arial" panose="020B0604020202020204" pitchFamily="34" charset="0"/>
-                <a:cs typeface="Arial" panose="020B0604020202020204" pitchFamily="34" charset="0"/>
-              </a:rPr>
-              <a:t> Portaria MTE n.º 202, 22 de dezembro de 2006  | Portaria SEPRT 1690, de 15/06/2022)</a:t>
-            </a:r>
+                <a:latin typeface="Arial"/>
+                <a:cs typeface="Arial"/>
+              </a:rPr>
+              <a:t>[</a:t>
+            </a:r>
+            <a:r>
+              <a:rPr lang="pt-BR" sz="1050" dirty="0" err="1">
+                <a:latin typeface="Arial"/>
+                <a:cs typeface="Arial"/>
+              </a:rPr>
+              <a:t>portaria_treinamento</a:t>
+            </a:r>
+            <a:r>
+              <a:rPr lang="pt-BR" sz="1050" dirty="0">
+                <a:latin typeface="Arial"/>
+                <a:cs typeface="Arial"/>
+              </a:rPr>
+              <a:t>]</a:t>
+            </a:r>
+            <a:endParaRPr lang="pt-BR" dirty="0"/>
           </a:p>
         </p:txBody>
       </p:sp>
@@ -6552,7 +6728,7 @@
           </a:ln>
         </p:spPr>
         <p:txBody>
-          <a:bodyPr wrap="square">
+          <a:bodyPr wrap="square" lIns="91440" tIns="45720" rIns="91440" bIns="45720" anchor="t">
             <a:spAutoFit/>
           </a:bodyPr>
           <a:lstStyle/>
@@ -6571,22 +6747,38 @@
             <a:pPr algn="ctr"/>
             <a:r>
               <a:rPr lang="es-ES" sz="700" dirty="0">
-                <a:latin typeface="Arial" panose="020B0604020202020204" pitchFamily="34" charset="0"/>
+                <a:latin typeface="Arial"/>
                 <a:ea typeface="Times New Roman"/>
-                <a:cs typeface="Arial" panose="020B0604020202020204" pitchFamily="34" charset="0"/>
-              </a:rPr>
-              <a:t>SITREL – SIDERURGICA TRES LAGOAS LTDA </a:t>
+                <a:cs typeface="Arial"/>
+              </a:rPr>
+              <a:t>[contratante] </a:t>
             </a:r>
           </a:p>
           <a:p>
             <a:pPr algn="ctr"/>
             <a:r>
               <a:rPr lang="es-ES" sz="700" dirty="0">
-                <a:latin typeface="Arial" panose="020B0604020202020204" pitchFamily="34" charset="0"/>
+                <a:latin typeface="Arial"/>
                 <a:ea typeface="Times New Roman"/>
-                <a:cs typeface="Arial" panose="020B0604020202020204" pitchFamily="34" charset="0"/>
-              </a:rPr>
-              <a:t>CNPJ: 07.084.117/0001-40</a:t>
+                <a:cs typeface="Arial"/>
+              </a:rPr>
+              <a:t>CNPJ: [</a:t>
+            </a:r>
+            <a:r>
+              <a:rPr lang="es-ES" sz="700" dirty="0" err="1">
+                <a:latin typeface="Arial"/>
+                <a:ea typeface="Times New Roman"/>
+                <a:cs typeface="Arial"/>
+              </a:rPr>
+              <a:t>contratante_cnpj</a:t>
+            </a:r>
+            <a:r>
+              <a:rPr lang="es-ES" sz="700" dirty="0">
+                <a:latin typeface="Arial"/>
+                <a:ea typeface="Times New Roman"/>
+                <a:cs typeface="Arial"/>
+              </a:rPr>
+              <a:t>]</a:t>
             </a:r>
             <a:endParaRPr lang="pt-BR" dirty="0">
               <a:latin typeface="Arial" panose="020B0604020202020204" pitchFamily="34" charset="0"/>
@@ -6625,7 +6817,7 @@
           </a:ln>
         </p:spPr>
         <p:txBody>
-          <a:bodyPr wrap="square">
+          <a:bodyPr wrap="square" lIns="91440" tIns="45720" rIns="91440" bIns="45720" anchor="t">
             <a:spAutoFit/>
           </a:bodyPr>
           <a:lstStyle/>
@@ -6633,11 +6825,12 @@
             <a:pPr algn="ctr"/>
             <a:r>
               <a:rPr lang="pt-BR" sz="700" b="1" dirty="0">
-                <a:latin typeface="Arial" panose="020B0604020202020204" pitchFamily="34" charset="0"/>
-                <a:cs typeface="Arial" panose="020B0604020202020204" pitchFamily="34" charset="0"/>
-              </a:rPr>
-              <a:t>INSTRUTOR DA TEORIA</a:t>
-            </a:r>
+                <a:latin typeface="Arial"/>
+                <a:cs typeface="Arial"/>
+              </a:rPr>
+              <a:t>[assinatura_2]</a:t>
+            </a:r>
+            <a:endParaRPr lang="pt-BR" dirty="0"/>
           </a:p>
           <a:p>
             <a:pPr algn="ctr"/>
@@ -6674,40 +6867,43 @@
             <a:pPr algn="ctr"/>
             <a:r>
               <a:rPr lang="pt-BR" sz="700" b="1" dirty="0">
-                <a:solidFill>
-                  <a:schemeClr val="tx1"/>
-                </a:solidFill>
-                <a:latin typeface="Arial" panose="020B0604020202020204" pitchFamily="34" charset="0"/>
-                <a:cs typeface="Arial" panose="020B0604020202020204" pitchFamily="34" charset="0"/>
-              </a:rPr>
-              <a:t>LUIS FERNANDO SOARES</a:t>
-            </a:r>
+                <a:latin typeface="Arial"/>
+                <a:cs typeface="Arial"/>
+              </a:rPr>
+              <a:t>[nome2]</a:t>
+            </a:r>
+            <a:endParaRPr lang="pt-BR" sz="700" b="1" dirty="0">
+              <a:latin typeface="Arial" panose="020B0604020202020204" pitchFamily="34" charset="0"/>
+              <a:cs typeface="Arial" panose="020B0604020202020204" pitchFamily="34" charset="0"/>
+            </a:endParaRPr>
           </a:p>
           <a:p>
             <a:pPr algn="ctr"/>
             <a:r>
-              <a:rPr lang="pt-BR" sz="700" b="0" dirty="0">
-                <a:solidFill>
-                  <a:schemeClr val="tx1"/>
-                </a:solidFill>
-                <a:latin typeface="Arial" panose="020B0604020202020204" pitchFamily="34" charset="0"/>
-                <a:cs typeface="Arial" panose="020B0604020202020204" pitchFamily="34" charset="0"/>
-              </a:rPr>
-              <a:t>TÉC. SEGURANÇA DO TRABALHO</a:t>
-            </a:r>
+              <a:rPr lang="pt-BR" sz="700" dirty="0">
+                <a:latin typeface="Arial"/>
+                <a:cs typeface="Arial"/>
+              </a:rPr>
+              <a:t>[qualificação_profissional2]</a:t>
+            </a:r>
+            <a:endParaRPr lang="pt-BR" sz="700" b="0" dirty="0">
+              <a:latin typeface="Arial" panose="020B0604020202020204" pitchFamily="34" charset="0"/>
+              <a:cs typeface="Arial" panose="020B0604020202020204" pitchFamily="34" charset="0"/>
+            </a:endParaRPr>
           </a:p>
           <a:p>
             <a:pPr algn="ctr"/>
             <a:r>
-              <a:rPr lang="pt-BR" sz="700" b="0" dirty="0">
-                <a:solidFill>
-                  <a:schemeClr val="tx1"/>
-                </a:solidFill>
-                <a:latin typeface="Arial" panose="020B0604020202020204" pitchFamily="34" charset="0"/>
-                <a:cs typeface="Arial" panose="020B0604020202020204" pitchFamily="34" charset="0"/>
-              </a:rPr>
-              <a:t>MTE N° 10123/MS</a:t>
-            </a:r>
+              <a:rPr lang="pt-BR" sz="700" dirty="0">
+                <a:latin typeface="Arial"/>
+                <a:cs typeface="Arial"/>
+              </a:rPr>
+              <a:t>[registro_profissional2]</a:t>
+            </a:r>
+            <a:endParaRPr lang="pt-BR" sz="700" b="0" dirty="0">
+              <a:latin typeface="Arial" panose="020B0604020202020204" pitchFamily="34" charset="0"/>
+              <a:cs typeface="Arial" panose="020B0604020202020204" pitchFamily="34" charset="0"/>
+            </a:endParaRPr>
           </a:p>
         </p:txBody>
       </p:sp>
@@ -6737,7 +6933,7 @@
           </a:ln>
         </p:spPr>
         <p:txBody>
-          <a:bodyPr wrap="square">
+          <a:bodyPr wrap="square" lIns="91440" tIns="45720" rIns="91440" bIns="45720" anchor="t">
             <a:spAutoFit/>
           </a:bodyPr>
           <a:lstStyle/>
@@ -6755,11 +6951,26 @@
             <a:pPr algn="ctr"/>
             <a:r>
               <a:rPr lang="pt-BR" sz="700" dirty="0">
-                <a:latin typeface="Arial" panose="020B0604020202020204" pitchFamily="34" charset="0"/>
-                <a:cs typeface="Arial" panose="020B0604020202020204" pitchFamily="34" charset="0"/>
-              </a:rPr>
-              <a:t>RODOVIA BR 262, KM 25 ZONA RURAL, TRÊS LAGOAS – MS  79601-970</a:t>
-            </a:r>
+                <a:latin typeface="Arial"/>
+                <a:cs typeface="Arial"/>
+              </a:rPr>
+              <a:t>[</a:t>
+            </a:r>
+            <a:r>
+              <a:rPr lang="pt-BR" sz="700" dirty="0" err="1">
+                <a:latin typeface="Arial"/>
+                <a:cs typeface="Arial"/>
+              </a:rPr>
+              <a:t>local_treinamento</a:t>
+            </a:r>
+            <a:r>
+              <a:rPr lang="pt-BR" sz="700" dirty="0">
+                <a:latin typeface="Arial"/>
+                <a:cs typeface="Arial"/>
+              </a:rPr>
+              <a:t>]</a:t>
+            </a:r>
+            <a:endParaRPr lang="pt-BR" dirty="0"/>
           </a:p>
         </p:txBody>
       </p:sp>
@@ -6792,7 +7003,7 @@
           </a:ln>
         </p:spPr>
         <p:txBody>
-          <a:bodyPr wrap="square">
+          <a:bodyPr wrap="square" lIns="91440" tIns="45720" rIns="91440" bIns="45720" anchor="t">
             <a:spAutoFit/>
           </a:bodyPr>
           <a:lstStyle/>
@@ -6800,11 +7011,12 @@
             <a:pPr algn="ctr"/>
             <a:r>
               <a:rPr lang="pt-BR" sz="700" b="1" dirty="0">
-                <a:latin typeface="Arial" panose="020B0604020202020204" pitchFamily="34" charset="0"/>
-                <a:cs typeface="Arial" panose="020B0604020202020204" pitchFamily="34" charset="0"/>
-              </a:rPr>
-              <a:t>INSTRUTOR DA PRÁTICA</a:t>
-            </a:r>
+                <a:latin typeface="Arial"/>
+                <a:cs typeface="Arial"/>
+              </a:rPr>
+              <a:t>[assinatura_1]</a:t>
+            </a:r>
+            <a:endParaRPr lang="pt-BR" dirty="0"/>
           </a:p>
           <a:p>
             <a:pPr algn="ctr"/>
@@ -6841,40 +7053,33 @@
             <a:pPr algn="ctr"/>
             <a:r>
               <a:rPr lang="pt-BR" sz="700" b="1" dirty="0">
-                <a:solidFill>
-                  <a:schemeClr val="tx1"/>
-                </a:solidFill>
-                <a:latin typeface="Arial" panose="020B0604020202020204" pitchFamily="34" charset="0"/>
-                <a:cs typeface="Arial" panose="020B0604020202020204" pitchFamily="34" charset="0"/>
-              </a:rPr>
-              <a:t>WALTER CAMARGO DOS SANTOS JUNIOR</a:t>
-            </a:r>
+                <a:latin typeface="Arial"/>
+                <a:cs typeface="Arial"/>
+              </a:rPr>
+              <a:t>[nome1]</a:t>
+            </a:r>
+            <a:endParaRPr lang="pt-BR" dirty="0"/>
           </a:p>
           <a:p>
             <a:pPr algn="ctr"/>
             <a:r>
               <a:rPr lang="pt-BR" sz="700" dirty="0">
-                <a:solidFill>
-                  <a:schemeClr val="tx1"/>
-                </a:solidFill>
-                <a:latin typeface="Arial" panose="020B0604020202020204" pitchFamily="34" charset="0"/>
-                <a:cs typeface="Arial" panose="020B0604020202020204" pitchFamily="34" charset="0"/>
-              </a:rPr>
-              <a:t>BOMBEIRO PROFISSIONAL CIVIL</a:t>
+                <a:latin typeface="Arial"/>
+                <a:cs typeface="Arial"/>
+              </a:rPr>
+              <a:t>[qualificação_profissional1]</a:t>
             </a:r>
           </a:p>
           <a:p>
             <a:pPr algn="ctr"/>
             <a:r>
               <a:rPr lang="pt-BR" sz="700" dirty="0">
-                <a:solidFill>
-                  <a:schemeClr val="tx1"/>
-                </a:solidFill>
-                <a:latin typeface="Arial" panose="020B0604020202020204" pitchFamily="34" charset="0"/>
-                <a:cs typeface="Arial" panose="020B0604020202020204" pitchFamily="34" charset="0"/>
-              </a:rPr>
-              <a:t>RESGATISTA INDUSTRIAL</a:t>
-            </a:r>
+                <a:latin typeface="Arial"/>
+                <a:cs typeface="Arial"/>
+              </a:rPr>
+              <a:t>[registro_profissional1]</a:t>
+            </a:r>
+            <a:endParaRPr lang="pt-BR" dirty="0"/>
           </a:p>
         </p:txBody>
       </p:sp>
@@ -6901,26 +7106,12 @@
           <a:noFill/>
         </p:spPr>
         <p:txBody>
-          <a:bodyPr wrap="square">
+          <a:bodyPr wrap="square" lIns="91440" tIns="45720" rIns="91440" bIns="45720" anchor="t">
             <a:spAutoFit/>
           </a:bodyPr>
           <a:lstStyle/>
           <a:p>
-            <a:pPr marL="0" marR="0" lvl="0" indent="0" algn="l" defTabSz="914400" rtl="0" eaLnBrk="1" fontAlgn="auto" latinLnBrk="0" hangingPunct="1">
-              <a:lnSpc>
-                <a:spcPct val="100000"/>
-              </a:lnSpc>
-              <a:spcBef>
-                <a:spcPts val="0"/>
-              </a:spcBef>
-              <a:spcAft>
-                <a:spcPts val="0"/>
-              </a:spcAft>
-              <a:buClrTx/>
-              <a:buSzTx/>
-              <a:buFontTx/>
-              <a:buNone/>
-              <a:tabLst/>
+            <a:pPr>
               <a:defRPr/>
             </a:pPr>
             <a:r>
@@ -6929,132 +7120,155 @@
                   <a:srgbClr val="000000"/>
                 </a:solidFill>
                 <a:effectLst/>
-                <a:latin typeface="Arial" panose="020B0604020202020204" pitchFamily="34" charset="0"/>
-                <a:cs typeface="Arial" panose="020B0604020202020204" pitchFamily="34" charset="0"/>
-              </a:rPr>
-              <a:t>METODOLOGIA DE ENSINO PRESENCIAL - TEÓRICO E PRÁTICO – ATUALIZAÇÃO - C.H 08 HORAS AULA</a:t>
-            </a:r>
-          </a:p>
-        </p:txBody>
-      </p:sp>
-      <p:sp>
-        <p:nvSpPr>
-          <p:cNvPr id="10" name="Caixa de Texto 2">
-            <a:extLst>
-              <a:ext uri="{FF2B5EF4-FFF2-40B4-BE49-F238E27FC236}">
-                <a16:creationId xmlns:a16="http://schemas.microsoft.com/office/drawing/2014/main" id="{3193E7FB-840D-722B-C269-661ED6519D3B}"/>
-              </a:ext>
-            </a:extLst>
-          </p:cNvPr>
-          <p:cNvSpPr txBox="1">
-            <a:spLocks noChangeArrowheads="1"/>
-          </p:cNvSpPr>
-          <p:nvPr/>
-        </p:nvSpPr>
-        <p:spPr bwMode="auto">
-          <a:xfrm>
-            <a:off x="5085671" y="1771250"/>
-            <a:ext cx="4155564" cy="1169551"/>
-          </a:xfrm>
-          <a:prstGeom prst="rect">
-            <a:avLst/>
-          </a:prstGeom>
-          <a:noFill/>
-          <a:ln w="12700">
-            <a:noFill/>
-            <a:miter lim="800000"/>
-            <a:headEnd/>
-            <a:tailEnd/>
-          </a:ln>
-        </p:spPr>
-        <p:txBody>
-          <a:bodyPr rot="0" vert="horz" wrap="square" lIns="91440" tIns="45720" rIns="91440" bIns="45720" anchor="t" anchorCtr="0">
-            <a:spAutoFit/>
-          </a:bodyPr>
-          <a:lstStyle/>
-          <a:p>
-            <a:r>
-              <a:rPr lang="pt-BR" sz="1000" b="1" dirty="0">
-                <a:latin typeface="Arial" panose="020B0604020202020204" pitchFamily="34" charset="0"/>
-                <a:cs typeface="Arial" panose="020B0604020202020204" pitchFamily="34" charset="0"/>
-              </a:rPr>
-              <a:t>IV. Procedimentos e utilização da PET</a:t>
-            </a:r>
-          </a:p>
-          <a:p>
-            <a:pPr marL="449263" indent="-182563">
-              <a:buFont typeface="Wingdings" panose="05000000000000000000" pitchFamily="2" charset="2"/>
-              <a:buChar char="v"/>
-            </a:pPr>
-            <a:r>
-              <a:rPr lang="pt-BR" sz="1000" dirty="0">
-                <a:latin typeface="Arial" panose="020B0604020202020204" pitchFamily="34" charset="0"/>
-                <a:cs typeface="Arial" panose="020B0604020202020204" pitchFamily="34" charset="0"/>
-              </a:rPr>
-              <a:t>Análise Preliminar de Riscos</a:t>
-            </a:r>
-          </a:p>
-          <a:p>
-            <a:pPr marL="449263" indent="-182563">
-              <a:buFont typeface="Wingdings" panose="05000000000000000000" pitchFamily="2" charset="2"/>
-              <a:buChar char="v"/>
-            </a:pPr>
-            <a:r>
-              <a:rPr lang="pt-BR" sz="1000" dirty="0">
-                <a:latin typeface="Arial" panose="020B0604020202020204" pitchFamily="34" charset="0"/>
-                <a:cs typeface="Arial" panose="020B0604020202020204" pitchFamily="34" charset="0"/>
-              </a:rPr>
-              <a:t>Formulário e critérios de autorização para trabalho</a:t>
-            </a:r>
-          </a:p>
-          <a:p>
-            <a:r>
-              <a:rPr lang="pt-BR" sz="1000" b="1" dirty="0">
-                <a:latin typeface="Arial" panose="020B0604020202020204" pitchFamily="34" charset="0"/>
-                <a:cs typeface="Arial" panose="020B0604020202020204" pitchFamily="34" charset="0"/>
-              </a:rPr>
-              <a:t>V. Noções de resgate e primeiros socorros.</a:t>
-            </a:r>
-          </a:p>
-          <a:p>
-            <a:pPr marL="449263" indent="-182563">
-              <a:buFont typeface="Wingdings" panose="05000000000000000000" pitchFamily="2" charset="2"/>
-              <a:buChar char="v"/>
-            </a:pPr>
-            <a:r>
-              <a:rPr lang="pt-BR" sz="1000" dirty="0">
-                <a:latin typeface="Arial" panose="020B0604020202020204" pitchFamily="34" charset="0"/>
-                <a:cs typeface="Arial" panose="020B0604020202020204" pitchFamily="34" charset="0"/>
-              </a:rPr>
-              <a:t>Tripé, Maca Envelope e Prancha Rígida</a:t>
-            </a:r>
-          </a:p>
-          <a:p>
-            <a:pPr marL="449263" indent="-182563">
-              <a:buFont typeface="Wingdings" panose="05000000000000000000" pitchFamily="2" charset="2"/>
-              <a:buChar char="v"/>
-            </a:pPr>
-            <a:r>
-              <a:rPr lang="pt-BR" sz="1000" dirty="0">
-                <a:latin typeface="Arial" panose="020B0604020202020204" pitchFamily="34" charset="0"/>
-                <a:cs typeface="Arial" panose="020B0604020202020204" pitchFamily="34" charset="0"/>
-              </a:rPr>
-              <a:t>Sistemas de Vantagem Mecânica</a:t>
-            </a:r>
-          </a:p>
-          <a:p>
-            <a:pPr marL="449263" indent="-182563">
-              <a:buFont typeface="Wingdings" panose="05000000000000000000" pitchFamily="2" charset="2"/>
-              <a:buChar char="v"/>
-            </a:pPr>
-            <a:r>
-              <a:rPr lang="pt-BR" sz="1000" dirty="0">
-                <a:latin typeface="Arial" panose="020B0604020202020204" pitchFamily="34" charset="0"/>
-                <a:cs typeface="Arial" panose="020B0604020202020204" pitchFamily="34" charset="0"/>
-              </a:rPr>
-              <a:t>Manequim de RCP e DEA Treinamento</a:t>
-            </a:r>
-            <a:endParaRPr lang="pt-BR" sz="1000" dirty="0"/>
+                <a:latin typeface="Arial"/>
+                <a:cs typeface="Arial"/>
+              </a:rPr>
+              <a:t>METODOLOGIA DE ENSINO </a:t>
+            </a:r>
+            <a:r>
+              <a:rPr lang="pt-BR" sz="1200" b="1" dirty="0">
+                <a:solidFill>
+                  <a:srgbClr val="000000"/>
+                </a:solidFill>
+                <a:latin typeface="Arial"/>
+                <a:cs typeface="Arial"/>
+              </a:rPr>
+              <a:t>[modalidade] -</a:t>
+            </a:r>
+            <a:r>
+              <a:rPr lang="pt-BR" sz="1200" b="1" dirty="0">
+                <a:solidFill>
+                  <a:srgbClr val="000000"/>
+                </a:solidFill>
+                <a:effectLst/>
+                <a:latin typeface="Arial"/>
+                <a:cs typeface="Arial"/>
+              </a:rPr>
+              <a:t> </a:t>
+            </a:r>
+            <a:r>
+              <a:rPr lang="pt-BR" sz="1200" b="1" dirty="0">
+                <a:solidFill>
+                  <a:srgbClr val="000000"/>
+                </a:solidFill>
+                <a:latin typeface="Arial"/>
+                <a:cs typeface="Arial"/>
+              </a:rPr>
+              <a:t>[metodologia]</a:t>
+            </a:r>
+            <a:r>
+              <a:rPr lang="pt-BR" sz="1200" b="1" dirty="0">
+                <a:solidFill>
+                  <a:srgbClr val="000000"/>
+                </a:solidFill>
+                <a:effectLst/>
+                <a:latin typeface="Arial"/>
+                <a:cs typeface="Arial"/>
+              </a:rPr>
+              <a:t> – </a:t>
+            </a:r>
+            <a:r>
+              <a:rPr lang="pt-BR" sz="1200" b="1" dirty="0">
+                <a:solidFill>
+                  <a:srgbClr val="000000"/>
+                </a:solidFill>
+                <a:latin typeface="Arial"/>
+                <a:cs typeface="Arial"/>
+              </a:rPr>
+              <a:t>[</a:t>
+            </a:r>
+            <a:r>
+              <a:rPr lang="pt-BR" sz="1200" b="1" dirty="0" err="1">
+                <a:solidFill>
+                  <a:schemeClr val="dk1"/>
+                </a:solidFill>
+                <a:latin typeface="Arial"/>
+                <a:cs typeface="Arial"/>
+              </a:rPr>
+              <a:t>tipo_fo</a:t>
+            </a:r>
+            <a:r>
+              <a:rPr lang="pt-BR" sz="1200" b="1" dirty="0" err="1">
+                <a:solidFill>
+                  <a:srgbClr val="000000"/>
+                </a:solidFill>
+                <a:latin typeface="Arial"/>
+                <a:cs typeface="Arial"/>
+              </a:rPr>
+              <a:t>rmacao</a:t>
+            </a:r>
+            <a:r>
+              <a:rPr lang="pt-BR" sz="900" b="1" dirty="0">
+                <a:solidFill>
+                  <a:srgbClr val="000000"/>
+                </a:solidFill>
+                <a:latin typeface="Arial"/>
+                <a:cs typeface="Arial"/>
+              </a:rPr>
+              <a:t>] </a:t>
+            </a:r>
+            <a:r>
+              <a:rPr lang="pt-BR" sz="1200" b="1" dirty="0">
+                <a:solidFill>
+                  <a:srgbClr val="000000"/>
+                </a:solidFill>
+                <a:latin typeface="Arial"/>
+                <a:cs typeface="Arial"/>
+              </a:rPr>
+              <a:t>-</a:t>
+            </a:r>
+            <a:r>
+              <a:rPr lang="pt-BR" sz="1200" b="1" dirty="0">
+                <a:solidFill>
+                  <a:srgbClr val="000000"/>
+                </a:solidFill>
+                <a:effectLst/>
+                <a:latin typeface="Arial"/>
+                <a:cs typeface="Arial"/>
+              </a:rPr>
+              <a:t> C.H </a:t>
+            </a:r>
+            <a:r>
+              <a:rPr lang="pt-BR" sz="1200" b="1" dirty="0">
+                <a:solidFill>
+                  <a:srgbClr val="000000"/>
+                </a:solidFill>
+                <a:latin typeface="Arial"/>
+                <a:cs typeface="Arial"/>
+              </a:rPr>
+              <a:t>[</a:t>
+            </a:r>
+            <a:r>
+              <a:rPr lang="pt-BR" sz="1200" b="1" dirty="0" err="1">
+                <a:solidFill>
+                  <a:srgbClr val="000000"/>
+                </a:solidFill>
+                <a:latin typeface="Arial"/>
+                <a:cs typeface="Arial"/>
+              </a:rPr>
+              <a:t>carga_horaria</a:t>
+            </a:r>
+            <a:r>
+              <a:rPr lang="pt-BR" sz="1200" b="1" dirty="0">
+                <a:solidFill>
+                  <a:srgbClr val="000000"/>
+                </a:solidFill>
+                <a:latin typeface="Arial"/>
+                <a:cs typeface="Arial"/>
+              </a:rPr>
+              <a:t>]</a:t>
+            </a:r>
+            <a:r>
+              <a:rPr lang="pt-BR" sz="1200" b="1" dirty="0">
+                <a:solidFill>
+                  <a:srgbClr val="000000"/>
+                </a:solidFill>
+                <a:effectLst/>
+                <a:latin typeface="Arial"/>
+                <a:cs typeface="Arial"/>
+              </a:rPr>
+              <a:t> HORAS AULA</a:t>
+            </a:r>
           </a:p>
         </p:txBody>
       </p:sp>
@@ -7072,8 +7286,8 @@
         </p:nvSpPr>
         <p:spPr>
           <a:xfrm>
-            <a:off x="2677433" y="3646241"/>
-            <a:ext cx="2232000" cy="954107"/>
+            <a:off x="2668741" y="3646241"/>
+            <a:ext cx="2240692" cy="954107"/>
           </a:xfrm>
           <a:prstGeom prst="rect">
             <a:avLst/>
@@ -7087,7 +7301,7 @@
           </a:ln>
         </p:spPr>
         <p:txBody>
-          <a:bodyPr wrap="square">
+          <a:bodyPr wrap="square" lIns="91440" tIns="45720" rIns="91440" bIns="45720" anchor="t">
             <a:spAutoFit/>
           </a:bodyPr>
           <a:lstStyle/>
@@ -7095,11 +7309,12 @@
             <a:pPr algn="ctr"/>
             <a:r>
               <a:rPr lang="pt-BR" sz="700" b="1" dirty="0">
-                <a:latin typeface="Arial" panose="020B0604020202020204" pitchFamily="34" charset="0"/>
-                <a:cs typeface="Arial" panose="020B0604020202020204" pitchFamily="34" charset="0"/>
-              </a:rPr>
-              <a:t>RESPONSÁVEL TÉCNICO E.C</a:t>
-            </a:r>
+                <a:latin typeface="Arial"/>
+                <a:cs typeface="Arial"/>
+              </a:rPr>
+              <a:t>[assinatura_3]</a:t>
+            </a:r>
+            <a:endParaRPr lang="pt-BR" dirty="0"/>
           </a:p>
           <a:p>
             <a:pPr algn="ctr"/>
@@ -7136,34 +7351,32 @@
             <a:pPr algn="ctr"/>
             <a:r>
               <a:rPr lang="es-ES" sz="700" b="1" dirty="0">
-                <a:solidFill>
-                  <a:schemeClr val="tx1"/>
-                </a:solidFill>
-                <a:latin typeface="Arial" panose="020B0604020202020204" pitchFamily="34" charset="0"/>
-                <a:cs typeface="Arial" panose="020B0604020202020204" pitchFamily="34" charset="0"/>
-              </a:rPr>
-              <a:t>SITREL – SIDERURGICA TRES LAGOAS LTDA </a:t>
+                <a:latin typeface="Arial"/>
+                <a:cs typeface="Arial"/>
+              </a:rPr>
+              <a:t>[nome3]</a:t>
             </a:r>
           </a:p>
           <a:p>
             <a:pPr algn="ctr"/>
             <a:r>
-              <a:rPr lang="es-ES" sz="700" b="1" dirty="0">
-                <a:solidFill>
-                  <a:schemeClr val="tx1"/>
-                </a:solidFill>
-                <a:latin typeface="Arial" panose="020B0604020202020204" pitchFamily="34" charset="0"/>
-                <a:cs typeface="Arial" panose="020B0604020202020204" pitchFamily="34" charset="0"/>
-              </a:rPr>
-              <a:t>CNPJ: 07.084.117/0001-40</a:t>
-            </a:r>
-            <a:endParaRPr lang="pt-BR" sz="700" dirty="0">
-              <a:solidFill>
-                <a:schemeClr val="tx1"/>
-              </a:solidFill>
-              <a:latin typeface="Arial" panose="020B0604020202020204" pitchFamily="34" charset="0"/>
-              <a:cs typeface="Arial" panose="020B0604020202020204" pitchFamily="34" charset="0"/>
-            </a:endParaRPr>
+              <a:rPr lang="pt-BR" sz="700" dirty="0">
+                <a:latin typeface="Arial"/>
+                <a:cs typeface="Arial"/>
+              </a:rPr>
+              <a:t>[qualificação_profissional3]</a:t>
+            </a:r>
+          </a:p>
+          <a:p>
+            <a:pPr algn="ctr"/>
+            <a:r>
+              <a:rPr lang="pt-BR" sz="700" dirty="0">
+                <a:latin typeface="Arial"/>
+                <a:cs typeface="Arial"/>
+              </a:rPr>
+              <a:t>[registro_profissional3</a:t>
+            </a:r>
+            <a:endParaRPr lang="pt-BR" dirty="0"/>
           </a:p>
         </p:txBody>
       </p:sp>

--- a/public/templates/frente-verso-4a.pptx
+++ b/public/templates/frente-verso-4a.pptx
@@ -128,8 +128,7 @@
 <file path=ppt/revisionInfo.xml><?xml version="1.0" encoding="utf-8"?>
 <p1510:revInfo xmlns:a="http://schemas.openxmlformats.org/drawingml/2006/main" xmlns:r="http://schemas.openxmlformats.org/officeDocument/2006/relationships" xmlns:p1510="http://schemas.microsoft.com/office/powerpoint/2015/10/main">
   <p1510:revLst>
-    <p1510:client id="{016B5DBE-394E-47B5-B1A7-CF6FA668D46D}" v="34" dt="2025-01-03T23:50:55.269"/>
-    <p1510:client id="{8AF37805-05DA-4F47-AB38-4804EDD9686E}" v="25" dt="2025-01-05T20:20:23.833"/>
+    <p1510:client id="{5E631C41-7EB4-4365-A650-EB7B8B940E59}" v="23" dt="2025-02-04T13:20:39.360"/>
   </p1510:revLst>
 </p1510:revInfo>
 </file>
@@ -279,7 +278,7 @@
           <a:p>
             <a:fld id="{62DE8017-325E-4800-BDDD-E3855642CAE0}" type="datetimeFigureOut">
               <a:rPr lang="pt-BR" smtClean="0"/>
-              <a:t>29/01/2025</a:t>
+              <a:t>04/02/2025</a:t>
             </a:fld>
             <a:endParaRPr lang="pt-BR"/>
           </a:p>
@@ -489,7 +488,7 @@
           <a:p>
             <a:fld id="{62DE8017-325E-4800-BDDD-E3855642CAE0}" type="datetimeFigureOut">
               <a:rPr lang="pt-BR" smtClean="0"/>
-              <a:t>29/01/2025</a:t>
+              <a:t>04/02/2025</a:t>
             </a:fld>
             <a:endParaRPr lang="pt-BR"/>
           </a:p>
@@ -699,7 +698,7 @@
           <a:p>
             <a:fld id="{62DE8017-325E-4800-BDDD-E3855642CAE0}" type="datetimeFigureOut">
               <a:rPr lang="pt-BR" smtClean="0"/>
-              <a:t>29/01/2025</a:t>
+              <a:t>04/02/2025</a:t>
             </a:fld>
             <a:endParaRPr lang="pt-BR"/>
           </a:p>
@@ -1898,7 +1897,7 @@
           <a:p>
             <a:fld id="{62DE8017-325E-4800-BDDD-E3855642CAE0}" type="datetimeFigureOut">
               <a:rPr lang="pt-BR" smtClean="0"/>
-              <a:t>29/01/2025</a:t>
+              <a:t>04/02/2025</a:t>
             </a:fld>
             <a:endParaRPr lang="pt-BR"/>
           </a:p>
@@ -2172,7 +2171,7 @@
           <a:p>
             <a:fld id="{62DE8017-325E-4800-BDDD-E3855642CAE0}" type="datetimeFigureOut">
               <a:rPr lang="pt-BR" smtClean="0"/>
-              <a:t>29/01/2025</a:t>
+              <a:t>04/02/2025</a:t>
             </a:fld>
             <a:endParaRPr lang="pt-BR"/>
           </a:p>
@@ -2442,7 +2441,7 @@
           <a:p>
             <a:fld id="{62DE8017-325E-4800-BDDD-E3855642CAE0}" type="datetimeFigureOut">
               <a:rPr lang="pt-BR" smtClean="0"/>
-              <a:t>29/01/2025</a:t>
+              <a:t>04/02/2025</a:t>
             </a:fld>
             <a:endParaRPr lang="pt-BR"/>
           </a:p>
@@ -2848,7 +2847,7 @@
           <a:p>
             <a:fld id="{62DE8017-325E-4800-BDDD-E3855642CAE0}" type="datetimeFigureOut">
               <a:rPr lang="pt-BR" smtClean="0"/>
-              <a:t>29/01/2025</a:t>
+              <a:t>04/02/2025</a:t>
             </a:fld>
             <a:endParaRPr lang="pt-BR"/>
           </a:p>
@@ -2998,7 +2997,7 @@
           <a:p>
             <a:fld id="{62DE8017-325E-4800-BDDD-E3855642CAE0}" type="datetimeFigureOut">
               <a:rPr lang="pt-BR" smtClean="0"/>
-              <a:t>29/01/2025</a:t>
+              <a:t>04/02/2025</a:t>
             </a:fld>
             <a:endParaRPr lang="pt-BR"/>
           </a:p>
@@ -3117,7 +3116,7 @@
           <a:p>
             <a:fld id="{62DE8017-325E-4800-BDDD-E3855642CAE0}" type="datetimeFigureOut">
               <a:rPr lang="pt-BR" smtClean="0"/>
-              <a:t>29/01/2025</a:t>
+              <a:t>04/02/2025</a:t>
             </a:fld>
             <a:endParaRPr lang="pt-BR"/>
           </a:p>
@@ -3427,7 +3426,7 @@
           <a:p>
             <a:fld id="{62DE8017-325E-4800-BDDD-E3855642CAE0}" type="datetimeFigureOut">
               <a:rPr lang="pt-BR" smtClean="0"/>
-              <a:t>29/01/2025</a:t>
+              <a:t>04/02/2025</a:t>
             </a:fld>
             <a:endParaRPr lang="pt-BR"/>
           </a:p>
@@ -3717,7 +3716,7 @@
           <a:p>
             <a:fld id="{62DE8017-325E-4800-BDDD-E3855642CAE0}" type="datetimeFigureOut">
               <a:rPr lang="pt-BR" smtClean="0"/>
-              <a:t>29/01/2025</a:t>
+              <a:t>04/02/2025</a:t>
             </a:fld>
             <a:endParaRPr lang="pt-BR"/>
           </a:p>
@@ -5218,33 +5217,41 @@
                 <a:ea typeface="+mn-ea"/>
                 <a:cs typeface="+mn-cs"/>
               </a:rPr>
-              <a:t>funcionário(a), portador(a) do CPF: [</a:t>
-            </a:r>
-            <a:r>
-              <a:rPr kumimoji="0" lang="pt-BR" sz="1000" b="0" i="0" u="none" strike="noStrike" kern="1200" cap="none" spc="0" normalizeH="0" baseline="0" noProof="0" dirty="0" err="1">
-                <a:ln>
-                  <a:noFill/>
-                </a:ln>
-                <a:solidFill>
-                  <a:srgbClr val="000000"/>
-                </a:solidFill>
-                <a:effectLst/>
-                <a:uLnTx/>
-                <a:uFillTx/>
-                <a:latin typeface="Arial"/>
-                <a:ea typeface="+mn-ea"/>
-                <a:cs typeface="+mn-cs"/>
-              </a:rPr>
-              <a:t>cpf</a:t>
+              <a:t>f</a:t>
             </a:r>
             <a:r>
               <a:rPr kumimoji="0" lang="pt-BR" sz="1000" b="0" i="0" u="none" strike="noStrike" kern="1200" cap="none" spc="0" normalizeH="0" baseline="0" noProof="0" dirty="0">
                 <a:ln>
                   <a:noFill/>
                 </a:ln>
-                <a:solidFill>
-                  <a:srgbClr val="000000"/>
-                </a:solidFill>
+                <a:effectLst/>
+                <a:uLnTx/>
+                <a:uFillTx/>
+                <a:latin typeface="Arial"/>
+                <a:ea typeface="+mn-ea"/>
+                <a:cs typeface="+mn-cs"/>
+              </a:rPr>
+              <a:t>uncionário(a), portador(a) do CPF: [</a:t>
+            </a:r>
+            <a:r>
+              <a:rPr kumimoji="0" lang="pt-BR" sz="1000" b="0" i="0" u="none" strike="noStrike" kern="1200" cap="none" spc="0" normalizeH="0" baseline="0" noProof="0" err="1">
+                <a:ln>
+                  <a:noFill/>
+                </a:ln>
+                <a:effectLst/>
+                <a:uLnTx/>
+                <a:uFillTx/>
+                <a:latin typeface="Arial"/>
+                <a:ea typeface="+mn-ea"/>
+                <a:cs typeface="+mn-cs"/>
+              </a:rPr>
+              <a:t>cpf</a:t>
+            </a:r>
+            <a:r>
+              <a:rPr kumimoji="0" lang="pt-BR" sz="1000" b="0" i="0" u="none" strike="noStrike" kern="1200" cap="none" spc="0" normalizeH="0" baseline="0" noProof="0" dirty="0">
+                <a:ln>
+                  <a:noFill/>
+                </a:ln>
                 <a:effectLst/>
                 <a:uLnTx/>
                 <a:uFillTx/>
@@ -5259,9 +5266,6 @@
                 <a:ln>
                   <a:noFill/>
                 </a:ln>
-                <a:solidFill>
-                  <a:srgbClr val="FF0000"/>
-                </a:solidFill>
                 <a:effectLst/>
                 <a:uLnTx/>
                 <a:uFillTx/>
@@ -5272,13 +5276,10 @@
               <a:t>[</a:t>
             </a:r>
             <a:r>
-              <a:rPr kumimoji="0" lang="pt-BR" sz="1000" b="1" i="0" u="none" strike="noStrike" kern="1200" cap="none" spc="0" normalizeH="0" baseline="0" noProof="0" dirty="0" err="1">
+              <a:rPr kumimoji="0" lang="pt-BR" sz="1000" b="1" i="0" u="none" strike="noStrike" kern="1200" cap="none" spc="0" normalizeH="0" baseline="0" noProof="0" err="1">
                 <a:ln>
                   <a:noFill/>
                 </a:ln>
-                <a:solidFill>
-                  <a:srgbClr val="FF0000"/>
-                </a:solidFill>
                 <a:effectLst/>
                 <a:uLnTx/>
                 <a:uFillTx/>
@@ -5293,9 +5294,6 @@
                 <a:ln>
                   <a:noFill/>
                 </a:ln>
-                <a:solidFill>
-                  <a:srgbClr val="FF0000"/>
-                </a:solidFill>
                 <a:effectLst/>
                 <a:uLnTx/>
                 <a:uFillTx/>
@@ -5310,9 +5308,6 @@
                 <a:ln>
                   <a:noFill/>
                 </a:ln>
-                <a:solidFill>
-                  <a:srgbClr val="000000"/>
-                </a:solidFill>
                 <a:effectLst/>
                 <a:uLnTx/>
                 <a:uFillTx/>
@@ -5327,9 +5322,6 @@
                 <a:ln>
                   <a:noFill/>
                 </a:ln>
-                <a:solidFill>
-                  <a:srgbClr val="FF0000"/>
-                </a:solidFill>
                 <a:effectLst/>
                 <a:uLnTx/>
                 <a:uFillTx/>
@@ -5340,13 +5332,10 @@
               <a:t>[</a:t>
             </a:r>
             <a:r>
-              <a:rPr kumimoji="0" lang="pt-BR" sz="1000" b="1" i="0" u="none" strike="noStrike" kern="1200" cap="none" spc="0" normalizeH="0" baseline="0" noProof="0" dirty="0" err="1">
+              <a:rPr kumimoji="0" lang="pt-BR" sz="1000" b="1" i="0" u="none" strike="noStrike" kern="1200" cap="none" spc="0" normalizeH="0" baseline="0" noProof="0" err="1">
                 <a:ln>
                   <a:noFill/>
                 </a:ln>
-                <a:solidFill>
-                  <a:srgbClr val="FF0000"/>
-                </a:solidFill>
                 <a:effectLst/>
                 <a:uLnTx/>
                 <a:uFillTx/>
@@ -5361,9 +5350,6 @@
                 <a:ln>
                   <a:noFill/>
                 </a:ln>
-                <a:solidFill>
-                  <a:srgbClr val="FF0000"/>
-                </a:solidFill>
                 <a:effectLst/>
                 <a:uLnTx/>
                 <a:uFillTx/>
@@ -5378,9 +5364,6 @@
                 <a:ln>
                   <a:noFill/>
                 </a:ln>
-                <a:solidFill>
-                  <a:srgbClr val="000000"/>
-                </a:solidFill>
                 <a:effectLst/>
                 <a:uLnTx/>
                 <a:uFillTx/>
@@ -5388,16 +5371,27 @@
                 <a:ea typeface="+mn-ea"/>
                 <a:cs typeface="+mn-cs"/>
               </a:rPr>
-              <a:t>. Este treinamento foi patrocinado pela empresa </a:t>
+              <a:t>. Este treinamento foi patrocinado pela empresa [empresa], inscrita no CNPJ: [</a:t>
+            </a:r>
+            <a:r>
+              <a:rPr kumimoji="0" lang="pt-BR" sz="1000" b="0" i="0" u="none" strike="noStrike" kern="1200" cap="none" spc="0" normalizeH="0" baseline="0" noProof="0" err="1">
+                <a:ln>
+                  <a:noFill/>
+                </a:ln>
+                <a:effectLst/>
+                <a:uLnTx/>
+                <a:uFillTx/>
+                <a:latin typeface="Arial"/>
+                <a:ea typeface="+mn-ea"/>
+                <a:cs typeface="+mn-cs"/>
+              </a:rPr>
+              <a:t>cnpj</a:t>
             </a:r>
             <a:r>
               <a:rPr kumimoji="0" lang="pt-BR" sz="1000" b="0" i="0" u="none" strike="noStrike" kern="1200" cap="none" spc="0" normalizeH="0" baseline="0" noProof="0" dirty="0">
                 <a:ln>
                   <a:noFill/>
                 </a:ln>
-                <a:solidFill>
-                  <a:srgbClr val="FF0000"/>
-                </a:solidFill>
                 <a:effectLst/>
                 <a:uLnTx/>
                 <a:uFillTx/>
@@ -5405,16 +5399,31 @@
                 <a:ea typeface="+mn-ea"/>
                 <a:cs typeface="+mn-cs"/>
               </a:rPr>
-              <a:t>[empresa]</a:t>
+              <a:t>], e realizado no dia </a:t>
+            </a:r>
+            <a:r>
+              <a:rPr lang="pt-BR" sz="1000" dirty="0">
+                <a:latin typeface="Arial"/>
+              </a:rPr>
+              <a:t>[</a:t>
+            </a:r>
+            <a:r>
+              <a:rPr lang="pt-BR" sz="1000" err="1">
+                <a:latin typeface="Arial"/>
+              </a:rPr>
+              <a:t>data_realizada</a:t>
+            </a:r>
+            <a:r>
+              <a:rPr lang="pt-BR" sz="1000" dirty="0">
+                <a:latin typeface="Arial"/>
+              </a:rPr>
+              <a:t>],</a:t>
             </a:r>
             <a:r>
               <a:rPr kumimoji="0" lang="pt-BR" sz="1000" b="0" i="0" u="none" strike="noStrike" kern="1200" cap="none" spc="0" normalizeH="0" baseline="0" noProof="0" dirty="0">
                 <a:ln>
                   <a:noFill/>
                 </a:ln>
-                <a:solidFill>
-                  <a:srgbClr val="000000"/>
-                </a:solidFill>
                 <a:effectLst/>
                 <a:uLnTx/>
                 <a:uFillTx/>
@@ -5422,16 +5431,19 @@
                 <a:ea typeface="+mn-ea"/>
                 <a:cs typeface="+mn-cs"/>
               </a:rPr>
-              <a:t>, inscrita no CNPJ: </a:t>
+              <a:t> das [r</a:t>
+            </a:r>
+            <a:r>
+              <a:rPr lang="pt-BR" sz="1000" dirty="0">
+                <a:latin typeface="Arial"/>
+              </a:rPr>
+              <a:t>_hora_1]</a:t>
             </a:r>
             <a:r>
               <a:rPr kumimoji="0" lang="pt-BR" sz="1000" b="0" i="0" u="none" strike="noStrike" kern="1200" cap="none" spc="0" normalizeH="0" baseline="0" noProof="0" dirty="0">
                 <a:ln>
                   <a:noFill/>
                 </a:ln>
-                <a:solidFill>
-                  <a:srgbClr val="FF0000"/>
-                </a:solidFill>
                 <a:effectLst/>
                 <a:uLnTx/>
                 <a:uFillTx/>
@@ -5439,33 +5451,19 @@
                 <a:ea typeface="+mn-ea"/>
                 <a:cs typeface="+mn-cs"/>
               </a:rPr>
-              <a:t>[</a:t>
-            </a:r>
-            <a:r>
-              <a:rPr kumimoji="0" lang="pt-BR" sz="1000" b="0" i="0" u="none" strike="noStrike" kern="1200" cap="none" spc="0" normalizeH="0" baseline="0" noProof="0" dirty="0" err="1">
-                <a:ln>
-                  <a:noFill/>
-                </a:ln>
-                <a:solidFill>
-                  <a:srgbClr val="FF0000"/>
-                </a:solidFill>
-                <a:effectLst/>
-                <a:uLnTx/>
-                <a:uFillTx/>
-                <a:latin typeface="Arial"/>
-                <a:ea typeface="+mn-ea"/>
-                <a:cs typeface="+mn-cs"/>
-              </a:rPr>
-              <a:t>cnpj</a:t>
+              <a:t> às </a:t>
+            </a:r>
+            <a:r>
+              <a:rPr lang="pt-BR" sz="1000" dirty="0">
+                <a:latin typeface="Arial"/>
+              </a:rPr>
+              <a:t>[r_hora_2],</a:t>
             </a:r>
             <a:r>
               <a:rPr kumimoji="0" lang="pt-BR" sz="1000" b="0" i="0" u="none" strike="noStrike" kern="1200" cap="none" spc="0" normalizeH="0" baseline="0" noProof="0" dirty="0">
                 <a:ln>
                   <a:noFill/>
                 </a:ln>
-                <a:solidFill>
-                  <a:srgbClr val="FF0000"/>
-                </a:solidFill>
                 <a:effectLst/>
                 <a:uLnTx/>
                 <a:uFillTx/>
@@ -5473,16 +5471,27 @@
                 <a:ea typeface="+mn-ea"/>
                 <a:cs typeface="+mn-cs"/>
               </a:rPr>
-              <a:t>]</a:t>
+              <a:t> totalizando uma carga horária de [</a:t>
+            </a:r>
+            <a:r>
+              <a:rPr kumimoji="0" lang="pt-BR" sz="1000" b="0" i="0" u="none" strike="noStrike" kern="1200" cap="none" spc="0" normalizeH="0" baseline="0" noProof="0" err="1">
+                <a:ln>
+                  <a:noFill/>
+                </a:ln>
+                <a:effectLst/>
+                <a:uLnTx/>
+                <a:uFillTx/>
+                <a:latin typeface="Arial"/>
+                <a:ea typeface="+mn-ea"/>
+                <a:cs typeface="+mn-cs"/>
+              </a:rPr>
+              <a:t>carga_hora</a:t>
             </a:r>
             <a:r>
               <a:rPr kumimoji="0" lang="pt-BR" sz="1000" b="0" i="0" u="none" strike="noStrike" kern="1200" cap="none" spc="0" normalizeH="0" baseline="0" noProof="0" dirty="0">
                 <a:ln>
                   <a:noFill/>
                 </a:ln>
-                <a:solidFill>
-                  <a:srgbClr val="000000"/>
-                </a:solidFill>
                 <a:effectLst/>
                 <a:uLnTx/>
                 <a:uFillTx/>
@@ -5490,205 +5499,12 @@
                 <a:ea typeface="+mn-ea"/>
                 <a:cs typeface="+mn-cs"/>
               </a:rPr>
-              <a:t>, e realizado no dia </a:t>
-            </a:r>
-            <a:r>
-              <a:rPr lang="pt-BR" sz="1000" dirty="0">
-                <a:solidFill>
-                  <a:srgbClr val="FF0000"/>
-                </a:solidFill>
-                <a:latin typeface="Arial"/>
-              </a:rPr>
-              <a:t>[</a:t>
-            </a:r>
-            <a:r>
-              <a:rPr lang="pt-BR" sz="1000" dirty="0" err="1">
-                <a:solidFill>
-                  <a:srgbClr val="FF0000"/>
-                </a:solidFill>
-                <a:latin typeface="Arial"/>
-              </a:rPr>
-              <a:t>data_realizada</a:t>
-            </a:r>
-            <a:r>
-              <a:rPr lang="pt-BR" sz="1000" dirty="0">
-                <a:solidFill>
-                  <a:srgbClr val="FF0000"/>
-                </a:solidFill>
-                <a:latin typeface="Arial"/>
-              </a:rPr>
-              <a:t>],</a:t>
-            </a:r>
-            <a:r>
-              <a:rPr kumimoji="0" lang="pt-BR" sz="1000" b="0" i="0" u="none" strike="noStrike" kern="1200" cap="none" spc="0" normalizeH="0" baseline="0" noProof="0" dirty="0">
-                <a:ln>
-                  <a:noFill/>
-                </a:ln>
-                <a:solidFill>
-                  <a:srgbClr val="000000"/>
-                </a:solidFill>
-                <a:effectLst/>
-                <a:uLnTx/>
-                <a:uFillTx/>
-                <a:latin typeface="Arial"/>
-                <a:ea typeface="+mn-ea"/>
-                <a:cs typeface="+mn-cs"/>
-              </a:rPr>
-              <a:t> das </a:t>
-            </a:r>
-            <a:r>
-              <a:rPr kumimoji="0" lang="pt-BR" sz="1000" b="0" i="0" u="none" strike="noStrike" kern="1200" cap="none" spc="0" normalizeH="0" baseline="0" noProof="0" dirty="0">
-                <a:ln>
-                  <a:noFill/>
-                </a:ln>
-                <a:solidFill>
-                  <a:srgbClr val="FF0000"/>
-                </a:solidFill>
-                <a:effectLst/>
-                <a:uLnTx/>
-                <a:uFillTx/>
-                <a:latin typeface="Arial"/>
-                <a:ea typeface="+mn-ea"/>
-                <a:cs typeface="+mn-cs"/>
-              </a:rPr>
-              <a:t>[r</a:t>
-            </a:r>
-            <a:r>
-              <a:rPr lang="pt-BR" sz="1000" dirty="0">
-                <a:solidFill>
-                  <a:srgbClr val="FF0000"/>
-                </a:solidFill>
-                <a:latin typeface="Arial"/>
-              </a:rPr>
-              <a:t>_hora_1]</a:t>
-            </a:r>
-            <a:r>
-              <a:rPr kumimoji="0" lang="pt-BR" sz="1000" b="0" i="0" u="none" strike="noStrike" kern="1200" cap="none" spc="0" normalizeH="0" baseline="0" noProof="0" dirty="0">
-                <a:ln>
-                  <a:noFill/>
-                </a:ln>
-                <a:solidFill>
-                  <a:srgbClr val="000000"/>
-                </a:solidFill>
-                <a:effectLst/>
-                <a:uLnTx/>
-                <a:uFillTx/>
-                <a:latin typeface="Arial"/>
-                <a:ea typeface="+mn-ea"/>
-                <a:cs typeface="+mn-cs"/>
-              </a:rPr>
-              <a:t> às </a:t>
-            </a:r>
-            <a:r>
-              <a:rPr lang="pt-BR" sz="1000" dirty="0">
-                <a:solidFill>
-                  <a:srgbClr val="000000"/>
-                </a:solidFill>
-                <a:latin typeface="Arial"/>
-              </a:rPr>
-              <a:t>[r_hora_2]</a:t>
-            </a:r>
-            <a:r>
-              <a:rPr lang="pt-BR" sz="1000" dirty="0">
-                <a:solidFill>
-                  <a:srgbClr val="FF0000"/>
-                </a:solidFill>
-                <a:latin typeface="Arial"/>
-              </a:rPr>
-              <a:t>,</a:t>
-            </a:r>
-            <a:r>
-              <a:rPr kumimoji="0" lang="pt-BR" sz="1000" b="0" i="0" u="none" strike="noStrike" kern="1200" cap="none" spc="0" normalizeH="0" baseline="0" noProof="0" dirty="0">
-                <a:ln>
-                  <a:noFill/>
-                </a:ln>
-                <a:solidFill>
-                  <a:srgbClr val="000000"/>
-                </a:solidFill>
-                <a:effectLst/>
-                <a:uLnTx/>
-                <a:uFillTx/>
-                <a:latin typeface="Arial"/>
-                <a:ea typeface="+mn-ea"/>
-                <a:cs typeface="+mn-cs"/>
-              </a:rPr>
-              <a:t> totalizando uma carga horária de </a:t>
-            </a:r>
-            <a:r>
-              <a:rPr kumimoji="0" lang="pt-BR" sz="1000" b="0" i="0" u="none" strike="noStrike" kern="1200" cap="none" spc="0" normalizeH="0" baseline="0" noProof="0" dirty="0">
-                <a:ln>
-                  <a:noFill/>
-                </a:ln>
-                <a:solidFill>
-                  <a:srgbClr val="FF0000"/>
-                </a:solidFill>
-                <a:effectLst/>
-                <a:uLnTx/>
-                <a:uFillTx/>
-                <a:latin typeface="Arial"/>
-                <a:ea typeface="+mn-ea"/>
-                <a:cs typeface="+mn-cs"/>
-              </a:rPr>
-              <a:t>[</a:t>
-            </a:r>
-            <a:r>
-              <a:rPr kumimoji="0" lang="pt-BR" sz="1000" b="0" i="0" u="none" strike="noStrike" kern="1200" cap="none" spc="0" normalizeH="0" baseline="0" noProof="0" dirty="0" err="1">
-                <a:ln>
-                  <a:noFill/>
-                </a:ln>
-                <a:solidFill>
-                  <a:srgbClr val="FF0000"/>
-                </a:solidFill>
-                <a:effectLst/>
-                <a:uLnTx/>
-                <a:uFillTx/>
-                <a:latin typeface="Arial"/>
-                <a:ea typeface="+mn-ea"/>
-                <a:cs typeface="+mn-cs"/>
-              </a:rPr>
-              <a:t>carga_hora</a:t>
-            </a:r>
-            <a:r>
-              <a:rPr kumimoji="0" lang="pt-BR" sz="1000" b="0" i="0" u="none" strike="noStrike" kern="1200" cap="none" spc="0" normalizeH="0" baseline="0" noProof="0" dirty="0">
-                <a:ln>
-                  <a:noFill/>
-                </a:ln>
-                <a:solidFill>
-                  <a:srgbClr val="FF0000"/>
-                </a:solidFill>
-                <a:effectLst/>
-                <a:uLnTx/>
-                <a:uFillTx/>
-                <a:latin typeface="Arial"/>
-                <a:ea typeface="+mn-ea"/>
-                <a:cs typeface="+mn-cs"/>
-              </a:rPr>
-              <a:t>]</a:t>
-            </a:r>
-            <a:r>
-              <a:rPr kumimoji="0" lang="pt-BR" sz="1000" b="0" i="0" u="none" strike="noStrike" kern="1200" cap="none" spc="0" normalizeH="0" baseline="0" noProof="0" dirty="0">
-                <a:ln>
-                  <a:noFill/>
-                </a:ln>
-                <a:solidFill>
-                  <a:srgbClr val="000000"/>
-                </a:solidFill>
-                <a:effectLst/>
-                <a:uLnTx/>
-                <a:uFillTx/>
-                <a:latin typeface="Arial"/>
-                <a:ea typeface="+mn-ea"/>
-                <a:cs typeface="+mn-cs"/>
-              </a:rPr>
-              <a:t> horas/aula. O(a) participante foi avaliado(a) e considerado(a) apto(a) pelo instrutor e responsável técnica da capacitação.</a:t>
+              <a:t>] horas/aula. O(a) participante foi avaliado(a) e considerado(a) apto(a) pelo instrutor e responsável técnica da capacitação.</a:t>
             </a:r>
             <a:endParaRPr lang="en-US" sz="1000" b="0" i="0" u="none" strike="noStrike" kern="1200" cap="none" spc="0" normalizeH="0" baseline="0" noProof="0">
               <a:ln>
                 <a:noFill/>
               </a:ln>
-              <a:solidFill>
-                <a:srgbClr val="000000"/>
-              </a:solidFill>
               <a:effectLst/>
               <a:uLnTx/>
               <a:uFillTx/>
@@ -5714,19 +5530,15 @@
               <a:tabLst/>
               <a:defRPr/>
             </a:pPr>
-            <a:endParaRPr kumimoji="0" lang="en-US" sz="1050" b="0" i="0" u="none" strike="noStrike" kern="1200" cap="none" spc="0" normalizeH="0" baseline="0" noProof="0">
+            <a:endParaRPr lang="en-US" sz="1050" b="0" i="0" u="none" strike="noStrike" kern="1200" cap="none" spc="0" normalizeH="0" baseline="0" noProof="0" dirty="0">
               <a:ln>
                 <a:noFill/>
               </a:ln>
-              <a:solidFill>
-                <a:srgbClr val="000000"/>
-              </a:solidFill>
               <a:effectLst/>
               <a:uLnTx/>
               <a:uFillTx/>
               <a:latin typeface="Arial"/>
-              <a:ea typeface="+mn-ea"/>
-              <a:cs typeface="+mn-cs"/>
+              <a:cs typeface="Arial"/>
             </a:endParaRPr>
           </a:p>
           <a:p>
@@ -5752,9 +5564,6 @@
                 <a:ln>
                   <a:noFill/>
                 </a:ln>
-                <a:solidFill>
-                  <a:srgbClr val="000000"/>
-                </a:solidFill>
                 <a:effectLst/>
                 <a:uLnTx/>
                 <a:uFillTx/>
@@ -5762,16 +5571,27 @@
                 <a:ea typeface="+mn-ea"/>
                 <a:cs typeface="+mn-cs"/>
               </a:rPr>
-              <a:t>EMISSÃO DO CERTIFICADO DIA </a:t>
+              <a:t>EMISSÃO DO CERTIFICADO DIA [</a:t>
+            </a:r>
+            <a:r>
+              <a:rPr kumimoji="0" lang="pt-BR" sz="1050" b="1" i="0" u="none" strike="noStrike" kern="1200" cap="none" spc="0" normalizeH="0" baseline="0" noProof="0" err="1">
+                <a:ln>
+                  <a:noFill/>
+                </a:ln>
+                <a:effectLst/>
+                <a:uLnTx/>
+                <a:uFillTx/>
+                <a:latin typeface="Arial"/>
+                <a:ea typeface="+mn-ea"/>
+                <a:cs typeface="+mn-cs"/>
+              </a:rPr>
+              <a:t>e_dia</a:t>
             </a:r>
             <a:r>
               <a:rPr kumimoji="0" lang="pt-BR" sz="1050" b="1" i="0" u="none" strike="noStrike" kern="1200" cap="none" spc="0" normalizeH="0" baseline="0" noProof="0" dirty="0">
                 <a:ln>
                   <a:noFill/>
                 </a:ln>
-                <a:solidFill>
-                  <a:srgbClr val="FF0000"/>
-                </a:solidFill>
                 <a:effectLst/>
                 <a:uLnTx/>
                 <a:uFillTx/>
@@ -5779,16 +5599,13 @@
                 <a:ea typeface="+mn-ea"/>
                 <a:cs typeface="+mn-cs"/>
               </a:rPr>
-              <a:t>[</a:t>
-            </a:r>
-            <a:r>
-              <a:rPr kumimoji="0" lang="pt-BR" sz="1050" b="1" i="0" u="none" strike="noStrike" kern="1200" cap="none" spc="0" normalizeH="0" baseline="0" noProof="0" dirty="0" err="1">
+              <a:t>] DE [</a:t>
+            </a:r>
+            <a:r>
+              <a:rPr kumimoji="0" lang="pt-BR" sz="1050" b="1" i="0" u="none" strike="noStrike" kern="1200" cap="none" spc="0" normalizeH="0" baseline="0" noProof="0" err="1">
                 <a:ln>
                   <a:noFill/>
                 </a:ln>
-                <a:solidFill>
-                  <a:srgbClr val="FF0000"/>
-                </a:solidFill>
                 <a:effectLst/>
                 <a:uLnTx/>
                 <a:uFillTx/>
@@ -5796,16 +5613,13 @@
                 <a:ea typeface="+mn-ea"/>
                 <a:cs typeface="+mn-cs"/>
               </a:rPr>
-              <a:t>e_dia</a:t>
+              <a:t>e_mes</a:t>
             </a:r>
             <a:r>
               <a:rPr kumimoji="0" lang="pt-BR" sz="1050" b="1" i="0" u="none" strike="noStrike" kern="1200" cap="none" spc="0" normalizeH="0" baseline="0" noProof="0" dirty="0">
                 <a:ln>
                   <a:noFill/>
                 </a:ln>
-                <a:solidFill>
-                  <a:srgbClr val="FF0000"/>
-                </a:solidFill>
                 <a:effectLst/>
                 <a:uLnTx/>
                 <a:uFillTx/>
@@ -5813,133 +5627,35 @@
                 <a:ea typeface="+mn-ea"/>
                 <a:cs typeface="+mn-cs"/>
               </a:rPr>
-              <a:t>]</a:t>
-            </a:r>
-            <a:r>
-              <a:rPr kumimoji="0" lang="pt-BR" sz="1050" b="1" i="0" u="none" strike="noStrike" kern="1200" cap="none" spc="0" normalizeH="0" baseline="0" noProof="0" dirty="0">
-                <a:ln>
-                  <a:noFill/>
-                </a:ln>
-                <a:solidFill>
-                  <a:srgbClr val="000000"/>
-                </a:solidFill>
-                <a:effectLst/>
-                <a:uLnTx/>
-                <a:uFillTx/>
-                <a:latin typeface="Arial"/>
-                <a:ea typeface="+mn-ea"/>
-                <a:cs typeface="+mn-cs"/>
-              </a:rPr>
-              <a:t> DE </a:t>
-            </a:r>
-            <a:r>
-              <a:rPr kumimoji="0" lang="pt-BR" sz="1050" b="1" i="0" u="none" strike="noStrike" kern="1200" cap="none" spc="0" normalizeH="0" baseline="0" noProof="0" dirty="0">
-                <a:ln>
-                  <a:noFill/>
-                </a:ln>
-                <a:solidFill>
-                  <a:srgbClr val="FF0000"/>
-                </a:solidFill>
-                <a:effectLst/>
-                <a:uLnTx/>
-                <a:uFillTx/>
-                <a:latin typeface="Arial"/>
-                <a:ea typeface="+mn-ea"/>
-                <a:cs typeface="+mn-cs"/>
+              <a:t>] DE 2024 – </a:t>
+            </a:r>
+            <a:r>
+              <a:rPr lang="pt-BR" sz="1050" b="1" dirty="0">
+                <a:latin typeface="Arial"/>
               </a:rPr>
               <a:t>[</a:t>
             </a:r>
             <a:r>
-              <a:rPr kumimoji="0" lang="pt-BR" sz="1050" b="1" i="0" u="none" strike="noStrike" kern="1200" cap="none" spc="0" normalizeH="0" baseline="0" noProof="0" dirty="0" err="1">
-                <a:ln>
-                  <a:noFill/>
-                </a:ln>
-                <a:solidFill>
-                  <a:srgbClr val="FF0000"/>
-                </a:solidFill>
-                <a:effectLst/>
-                <a:uLnTx/>
-                <a:uFillTx/>
-                <a:latin typeface="Arial"/>
-                <a:ea typeface="+mn-ea"/>
-                <a:cs typeface="+mn-cs"/>
-              </a:rPr>
-              <a:t>e_mes</a:t>
-            </a:r>
-            <a:r>
-              <a:rPr kumimoji="0" lang="pt-BR" sz="1050" b="1" i="0" u="none" strike="noStrike" kern="1200" cap="none" spc="0" normalizeH="0" baseline="0" noProof="0" dirty="0">
-                <a:ln>
-                  <a:noFill/>
-                </a:ln>
-                <a:solidFill>
-                  <a:srgbClr val="FF0000"/>
-                </a:solidFill>
-                <a:effectLst/>
-                <a:uLnTx/>
-                <a:uFillTx/>
-                <a:latin typeface="Arial"/>
-                <a:ea typeface="+mn-ea"/>
-                <a:cs typeface="+mn-cs"/>
-              </a:rPr>
-              <a:t>]</a:t>
-            </a:r>
-            <a:r>
-              <a:rPr kumimoji="0" lang="pt-BR" sz="1050" b="1" i="0" u="none" strike="noStrike" kern="1200" cap="none" spc="0" normalizeH="0" baseline="0" noProof="0" dirty="0">
-                <a:ln>
-                  <a:noFill/>
-                </a:ln>
-                <a:solidFill>
-                  <a:srgbClr val="000000"/>
-                </a:solidFill>
-                <a:effectLst/>
-                <a:uLnTx/>
-                <a:uFillTx/>
-                <a:latin typeface="Arial"/>
-                <a:ea typeface="+mn-ea"/>
-                <a:cs typeface="+mn-cs"/>
-              </a:rPr>
-              <a:t> DE 2024 – </a:t>
+              <a:rPr lang="pt-BR" sz="1050" b="1" err="1">
+                <a:latin typeface="Arial"/>
+              </a:rPr>
+              <a:t>local_emissao</a:t>
             </a:r>
             <a:r>
               <a:rPr lang="pt-BR" sz="1050" b="1" dirty="0">
-                <a:solidFill>
-                  <a:srgbClr val="000000"/>
-                </a:solidFill>
-                <a:latin typeface="Arial"/>
-              </a:rPr>
-              <a:t>[</a:t>
-            </a:r>
-            <a:r>
-              <a:rPr lang="pt-BR" sz="1050" b="1" dirty="0" err="1">
-                <a:solidFill>
-                  <a:srgbClr val="000000"/>
-                </a:solidFill>
-                <a:latin typeface="Arial"/>
-              </a:rPr>
-              <a:t>local_emissao</a:t>
-            </a:r>
-            <a:r>
-              <a:rPr lang="pt-BR" sz="1050" b="1" dirty="0">
-                <a:solidFill>
-                  <a:srgbClr val="000000"/>
-                </a:solidFill>
                 <a:latin typeface="Arial"/>
               </a:rPr>
               <a:t>].</a:t>
             </a:r>
-            <a:endParaRPr kumimoji="0" lang="en-US" sz="1050" b="0" i="0" u="none" strike="noStrike" kern="1200" cap="none" spc="0" normalizeH="0" baseline="0" noProof="0" dirty="0">
+            <a:endParaRPr lang="en-US" sz="1050" b="0" i="0" u="none" strike="noStrike" kern="1200" cap="none" spc="0" normalizeH="0" baseline="0" noProof="0" dirty="0">
               <a:ln>
                 <a:noFill/>
               </a:ln>
-              <a:solidFill>
-                <a:srgbClr val="000000"/>
-              </a:solidFill>
               <a:effectLst/>
               <a:uLnTx/>
               <a:uFillTx/>
               <a:latin typeface="Arial"/>
-              <a:ea typeface="+mn-ea"/>
-              <a:cs typeface="+mn-cs"/>
+              <a:cs typeface="Arial"/>
             </a:endParaRPr>
           </a:p>
         </p:txBody>
@@ -6122,70 +5838,31 @@
             </a:r>
             <a:r>
               <a:rPr lang="pt-BR" sz="900" b="1" dirty="0">
-                <a:solidFill>
-                  <a:srgbClr val="FF0000"/>
-                </a:solidFill>
                 <a:latin typeface="Arial"/>
               </a:rPr>
               <a:t>[</a:t>
             </a:r>
             <a:r>
-              <a:rPr lang="pt-BR" sz="900" b="1" dirty="0" err="1">
-                <a:solidFill>
-                  <a:srgbClr val="FF0000"/>
-                </a:solidFill>
+              <a:rPr lang="pt-BR" sz="900" b="1" err="1">
                 <a:latin typeface="Arial"/>
               </a:rPr>
               <a:t>codigo</a:t>
             </a:r>
             <a:r>
               <a:rPr lang="pt-BR" sz="900" b="1" dirty="0">
-                <a:solidFill>
-                  <a:srgbClr val="FF0000"/>
-                </a:solidFill>
                 <a:latin typeface="Arial"/>
               </a:rPr>
               <a:t>]</a:t>
             </a:r>
-            <a:r>
-              <a:rPr lang="pt-BR" sz="900" b="1" dirty="0">
-                <a:solidFill>
-                  <a:srgbClr val="000000"/>
-                </a:solidFill>
-                <a:latin typeface="Arial"/>
-              </a:rPr>
-              <a:t>/</a:t>
-            </a:r>
-            <a:r>
-              <a:rPr kumimoji="0" lang="pt-BR" sz="900" b="1" i="0" u="none" strike="noStrike" kern="1200" cap="none" spc="0" normalizeH="0" baseline="0" noProof="0" dirty="0">
-                <a:ln>
-                  <a:noFill/>
-                </a:ln>
-                <a:solidFill>
-                  <a:srgbClr val="000000"/>
-                </a:solidFill>
-                <a:effectLst/>
-                <a:uLnTx/>
-                <a:uFillTx/>
-                <a:latin typeface="Arial"/>
-                <a:ea typeface="+mn-ea"/>
-                <a:cs typeface="+mn-cs"/>
-              </a:rPr>
-              <a:t>2024</a:t>
-            </a:r>
-            <a:endParaRPr kumimoji="0" lang="en-US" sz="900" b="0" i="0" u="none" strike="noStrike" kern="1200" cap="none" spc="0" normalizeH="0" baseline="0" noProof="0" dirty="0">
+            <a:endParaRPr lang="pt-BR" sz="900" b="1" i="0" u="none" strike="noStrike" kern="1200" cap="none" spc="0" normalizeH="0" baseline="0" noProof="0">
               <a:ln>
                 <a:noFill/>
               </a:ln>
-              <a:solidFill>
-                <a:srgbClr val="000000"/>
-              </a:solidFill>
               <a:effectLst/>
               <a:uLnTx/>
               <a:uFillTx/>
               <a:latin typeface="Arial"/>
-              <a:ea typeface="+mn-ea"/>
-              <a:cs typeface="+mn-cs"/>
+              <a:cs typeface="Arial"/>
             </a:endParaRPr>
           </a:p>
         </p:txBody>
@@ -6452,7 +6129,7 @@
         <p:spPr>
           <a:xfrm>
             <a:off x="2266506" y="551496"/>
-            <a:ext cx="6960214" cy="307777"/>
+            <a:ext cx="6960214" cy="338554"/>
           </a:xfrm>
           <a:prstGeom prst="rect">
             <a:avLst/>
@@ -6466,27 +6143,30 @@
           <a:p>
             <a:pPr algn="ctr"/>
             <a:r>
-              <a:rPr lang="pt-BR" sz="1400" b="1" dirty="0">
+              <a:rPr lang="pt-BR" sz="1600" b="1" dirty="0">
                 <a:latin typeface="Arial"/>
                 <a:cs typeface="Arial"/>
               </a:rPr>
               <a:t>[</a:t>
             </a:r>
             <a:r>
-              <a:rPr lang="pt-BR" sz="1400" b="1" dirty="0" err="1">
+              <a:rPr lang="pt-BR" sz="1600" b="1" err="1">
                 <a:latin typeface="Arial"/>
                 <a:cs typeface="Arial"/>
               </a:rPr>
               <a:t>titulo_treinamento</a:t>
             </a:r>
             <a:r>
-              <a:rPr lang="pt-BR" sz="1400" b="1" dirty="0">
+              <a:rPr lang="pt-BR" sz="1600" b="1" dirty="0">
                 <a:latin typeface="Arial"/>
                 <a:cs typeface="Arial"/>
               </a:rPr>
               <a:t>]</a:t>
             </a:r>
-            <a:endParaRPr lang="pt-BR" dirty="0"/>
+            <a:endParaRPr lang="pt-BR" sz="1600">
+              <a:ea typeface="Calibri"/>
+              <a:cs typeface="Calibri"/>
+            </a:endParaRPr>
           </a:p>
         </p:txBody>
       </p:sp>
@@ -6662,8 +6342,8 @@
         </p:nvSpPr>
         <p:spPr>
           <a:xfrm>
-            <a:off x="2266506" y="1021526"/>
-            <a:ext cx="7038769" cy="253916"/>
+            <a:off x="2266506" y="893339"/>
+            <a:ext cx="6993009" cy="276999"/>
           </a:xfrm>
           <a:prstGeom prst="rect">
             <a:avLst/>
@@ -6678,27 +6358,30 @@
           <a:p>
             <a:pPr algn="ctr"/>
             <a:r>
-              <a:rPr lang="pt-BR" sz="1050" dirty="0">
+              <a:rPr lang="pt-BR" sz="1200" dirty="0">
                 <a:latin typeface="Arial"/>
                 <a:cs typeface="Arial"/>
               </a:rPr>
               <a:t>[</a:t>
             </a:r>
             <a:r>
-              <a:rPr lang="pt-BR" sz="1050" dirty="0" err="1">
+              <a:rPr lang="pt-BR" sz="1200" err="1">
                 <a:latin typeface="Arial"/>
                 <a:cs typeface="Arial"/>
               </a:rPr>
               <a:t>portaria_treinamento</a:t>
             </a:r>
             <a:r>
-              <a:rPr lang="pt-BR" sz="1050" dirty="0">
+              <a:rPr lang="pt-BR" sz="1200" dirty="0">
                 <a:latin typeface="Arial"/>
                 <a:cs typeface="Arial"/>
               </a:rPr>
               <a:t>]</a:t>
             </a:r>
-            <a:endParaRPr lang="pt-BR" dirty="0"/>
+            <a:endParaRPr lang="pt-BR" sz="1200">
+              <a:ea typeface="Calibri"/>
+              <a:cs typeface="Calibri"/>
+            </a:endParaRPr>
           </a:p>
         </p:txBody>
       </p:sp>
